--- a/Presentation.pptx
+++ b/Presentation.pptx
@@ -6,18 +6,15 @@
   </p:sldMasterIdLst>
   <p:sldIdLst>
     <p:sldId id="256" r:id="rId2"/>
-    <p:sldId id="257" r:id="rId3"/>
-    <p:sldId id="258" r:id="rId4"/>
-    <p:sldId id="259" r:id="rId5"/>
-    <p:sldId id="260" r:id="rId6"/>
-    <p:sldId id="261" r:id="rId7"/>
-    <p:sldId id="262" r:id="rId8"/>
-    <p:sldId id="263" r:id="rId9"/>
-    <p:sldId id="264" r:id="rId10"/>
-    <p:sldId id="265" r:id="rId11"/>
-    <p:sldId id="266" r:id="rId12"/>
-    <p:sldId id="267" r:id="rId13"/>
-    <p:sldId id="268" r:id="rId14"/>
+    <p:sldId id="271" r:id="rId3"/>
+    <p:sldId id="270" r:id="rId4"/>
+    <p:sldId id="269" r:id="rId5"/>
+    <p:sldId id="273" r:id="rId6"/>
+    <p:sldId id="272" r:id="rId7"/>
+    <p:sldId id="275" r:id="rId8"/>
+    <p:sldId id="276" r:id="rId9"/>
+    <p:sldId id="274" r:id="rId10"/>
+    <p:sldId id="278" r:id="rId11"/>
   </p:sldIdLst>
   <p:sldSz cx="12192000" cy="6858000"/>
   <p:notesSz cx="6858000" cy="9144000"/>
@@ -116,6 +113,11 @@
       </a:defRPr>
     </a:lvl9pPr>
   </p:defaultTextStyle>
+  <p:extLst>
+    <p:ext uri="{EFAFB233-063F-42B5-8137-9DF3F51BA10A}">
+      <p15:sldGuideLst xmlns:p15="http://schemas.microsoft.com/office/powerpoint/2012/main"/>
+    </p:ext>
+  </p:extLst>
 </p:presentation>
 </file>
 
@@ -268,7 +270,7 @@
           <a:p>
             <a:fld id="{DFD2A0F3-F842-4B91-AF3F-C4AED2E37FFF}" type="datetimeFigureOut">
               <a:rPr lang="en-IN" smtClean="0"/>
-              <a:t>31-07-2021</a:t>
+              <a:t>03-08-2021</a:t>
             </a:fld>
             <a:endParaRPr lang="en-IN"/>
           </a:p>
@@ -468,7 +470,7 @@
           <a:p>
             <a:fld id="{DFD2A0F3-F842-4B91-AF3F-C4AED2E37FFF}" type="datetimeFigureOut">
               <a:rPr lang="en-IN" smtClean="0"/>
-              <a:t>31-07-2021</a:t>
+              <a:t>03-08-2021</a:t>
             </a:fld>
             <a:endParaRPr lang="en-IN"/>
           </a:p>
@@ -678,7 +680,7 @@
           <a:p>
             <a:fld id="{DFD2A0F3-F842-4B91-AF3F-C4AED2E37FFF}" type="datetimeFigureOut">
               <a:rPr lang="en-IN" smtClean="0"/>
-              <a:t>31-07-2021</a:t>
+              <a:t>03-08-2021</a:t>
             </a:fld>
             <a:endParaRPr lang="en-IN"/>
           </a:p>
@@ -878,7 +880,7 @@
           <a:p>
             <a:fld id="{DFD2A0F3-F842-4B91-AF3F-C4AED2E37FFF}" type="datetimeFigureOut">
               <a:rPr lang="en-IN" smtClean="0"/>
-              <a:t>31-07-2021</a:t>
+              <a:t>03-08-2021</a:t>
             </a:fld>
             <a:endParaRPr lang="en-IN"/>
           </a:p>
@@ -1154,7 +1156,7 @@
           <a:p>
             <a:fld id="{DFD2A0F3-F842-4B91-AF3F-C4AED2E37FFF}" type="datetimeFigureOut">
               <a:rPr lang="en-IN" smtClean="0"/>
-              <a:t>31-07-2021</a:t>
+              <a:t>03-08-2021</a:t>
             </a:fld>
             <a:endParaRPr lang="en-IN"/>
           </a:p>
@@ -1422,7 +1424,7 @@
           <a:p>
             <a:fld id="{DFD2A0F3-F842-4B91-AF3F-C4AED2E37FFF}" type="datetimeFigureOut">
               <a:rPr lang="en-IN" smtClean="0"/>
-              <a:t>31-07-2021</a:t>
+              <a:t>03-08-2021</a:t>
             </a:fld>
             <a:endParaRPr lang="en-IN"/>
           </a:p>
@@ -1837,7 +1839,7 @@
           <a:p>
             <a:fld id="{DFD2A0F3-F842-4B91-AF3F-C4AED2E37FFF}" type="datetimeFigureOut">
               <a:rPr lang="en-IN" smtClean="0"/>
-              <a:t>31-07-2021</a:t>
+              <a:t>03-08-2021</a:t>
             </a:fld>
             <a:endParaRPr lang="en-IN"/>
           </a:p>
@@ -1979,7 +1981,7 @@
           <a:p>
             <a:fld id="{DFD2A0F3-F842-4B91-AF3F-C4AED2E37FFF}" type="datetimeFigureOut">
               <a:rPr lang="en-IN" smtClean="0"/>
-              <a:t>31-07-2021</a:t>
+              <a:t>03-08-2021</a:t>
             </a:fld>
             <a:endParaRPr lang="en-IN"/>
           </a:p>
@@ -2092,7 +2094,7 @@
           <a:p>
             <a:fld id="{DFD2A0F3-F842-4B91-AF3F-C4AED2E37FFF}" type="datetimeFigureOut">
               <a:rPr lang="en-IN" smtClean="0"/>
-              <a:t>31-07-2021</a:t>
+              <a:t>03-08-2021</a:t>
             </a:fld>
             <a:endParaRPr lang="en-IN"/>
           </a:p>
@@ -2405,7 +2407,7 @@
           <a:p>
             <a:fld id="{DFD2A0F3-F842-4B91-AF3F-C4AED2E37FFF}" type="datetimeFigureOut">
               <a:rPr lang="en-IN" smtClean="0"/>
-              <a:t>31-07-2021</a:t>
+              <a:t>03-08-2021</a:t>
             </a:fld>
             <a:endParaRPr lang="en-IN"/>
           </a:p>
@@ -2694,7 +2696,7 @@
           <a:p>
             <a:fld id="{DFD2A0F3-F842-4B91-AF3F-C4AED2E37FFF}" type="datetimeFigureOut">
               <a:rPr lang="en-IN" smtClean="0"/>
-              <a:t>31-07-2021</a:t>
+              <a:t>03-08-2021</a:t>
             </a:fld>
             <a:endParaRPr lang="en-IN"/>
           </a:p>
@@ -2771,9 +2773,18 @@
 <p:sldMaster xmlns:a="http://schemas.openxmlformats.org/drawingml/2006/main" xmlns:r="http://schemas.openxmlformats.org/officeDocument/2006/relationships" xmlns:p="http://schemas.openxmlformats.org/presentationml/2006/main">
   <p:cSld>
     <p:bg>
-      <p:bgRef idx="1001">
-        <a:schemeClr val="bg1"/>
-      </p:bgRef>
+      <p:bgPr>
+        <a:blipFill dpi="0" rotWithShape="1">
+          <a:blip r:embed="rId13">
+            <a:lum/>
+          </a:blip>
+          <a:srcRect/>
+          <a:stretch>
+            <a:fillRect t="-39000" b="-39000"/>
+          </a:stretch>
+        </a:blipFill>
+        <a:effectLst/>
+      </p:bgPr>
     </p:bg>
     <p:spTree>
       <p:nvGrpSpPr>
@@ -2937,7 +2948,7 @@
           <a:p>
             <a:fld id="{DFD2A0F3-F842-4B91-AF3F-C4AED2E37FFF}" type="datetimeFigureOut">
               <a:rPr lang="en-IN" smtClean="0"/>
-              <a:t>31-07-2021</a:t>
+              <a:t>03-08-2021</a:t>
             </a:fld>
             <a:endParaRPr lang="en-IN"/>
           </a:p>
@@ -3370,41 +3381,143 @@
             <p:ph type="ctrTitle"/>
           </p:nvPr>
         </p:nvSpPr>
+        <p:spPr>
+          <a:xfrm>
+            <a:off x="1524000" y="2362650"/>
+            <a:ext cx="9144000" cy="999676"/>
+          </a:xfrm>
+        </p:spPr>
+        <p:txBody>
+          <a:bodyPr>
+            <a:normAutofit/>
+          </a:bodyPr>
+          <a:lstStyle/>
+          <a:p>
+            <a:r>
+              <a:rPr lang="en-US" sz="3200">
+                <a:latin typeface="Times New Roman" panose="02020603050405020304" pitchFamily="18" charset="0"/>
+                <a:cs typeface="Times New Roman" panose="02020603050405020304" pitchFamily="18" charset="0"/>
+              </a:rPr>
+              <a:t>Team Entwicklers</a:t>
+            </a:r>
+            <a:endParaRPr lang="en-IN" sz="3200" dirty="0">
+              <a:latin typeface="Times New Roman" panose="02020603050405020304" pitchFamily="18" charset="0"/>
+              <a:cs typeface="Times New Roman" panose="02020603050405020304" pitchFamily="18" charset="0"/>
+            </a:endParaRPr>
+          </a:p>
+        </p:txBody>
+      </p:sp>
+      <p:sp>
+        <p:nvSpPr>
+          <p:cNvPr id="3" name="Subtitle 2">
+            <a:extLst>
+              <a:ext uri="{FF2B5EF4-FFF2-40B4-BE49-F238E27FC236}">
+                <a16:creationId xmlns:a16="http://schemas.microsoft.com/office/drawing/2014/main" id="{9F8ACA9B-37B7-40B0-8AF5-94DE3D20D046}"/>
+              </a:ext>
+            </a:extLst>
+          </p:cNvPr>
+          <p:cNvSpPr>
+            <a:spLocks noGrp="1"/>
+          </p:cNvSpPr>
+          <p:nvPr>
+            <p:ph type="subTitle" idx="1"/>
+          </p:nvPr>
+        </p:nvSpPr>
         <p:spPr/>
         <p:txBody>
           <a:bodyPr/>
           <a:lstStyle/>
           <a:p>
             <a:r>
-              <a:rPr lang="en-US" dirty="0" err="1"/>
-              <a:t>Entwicklers</a:t>
-            </a:r>
-            <a:endParaRPr lang="en-IN" dirty="0"/>
-          </a:p>
-        </p:txBody>
-      </p:sp>
-      <p:sp>
-        <p:nvSpPr>
-          <p:cNvPr id="3" name="Subtitle 2">
-            <a:extLst>
-              <a:ext uri="{FF2B5EF4-FFF2-40B4-BE49-F238E27FC236}">
-                <a16:creationId xmlns:a16="http://schemas.microsoft.com/office/drawing/2014/main" id="{9F8ACA9B-37B7-40B0-8AF5-94DE3D20D046}"/>
-              </a:ext>
-            </a:extLst>
-          </p:cNvPr>
-          <p:cNvSpPr>
-            <a:spLocks noGrp="1"/>
-          </p:cNvSpPr>
-          <p:nvPr>
-            <p:ph type="subTitle" idx="1"/>
-          </p:nvPr>
-        </p:nvSpPr>
-        <p:spPr/>
-        <p:txBody>
-          <a:bodyPr/>
-          <a:lstStyle/>
-          <a:p>
-            <a:endParaRPr lang="en-IN"/>
+              <a:rPr lang="en-US" sz="1400">
+                <a:latin typeface="Times New Roman" panose="02020603050405020304" pitchFamily="18" charset="0"/>
+                <a:cs typeface="Times New Roman" panose="02020603050405020304" pitchFamily="18" charset="0"/>
+              </a:rPr>
+              <a:t>Developed By:</a:t>
+            </a:r>
+          </a:p>
+          <a:p>
+            <a:r>
+              <a:rPr lang="en-US">
+                <a:latin typeface="Times New Roman" panose="02020603050405020304" pitchFamily="18" charset="0"/>
+                <a:cs typeface="Times New Roman" panose="02020603050405020304" pitchFamily="18" charset="0"/>
+              </a:rPr>
+              <a:t>Niyati Sinha</a:t>
+            </a:r>
+          </a:p>
+          <a:p>
+            <a:r>
+              <a:rPr lang="en-US">
+                <a:latin typeface="Times New Roman" panose="02020603050405020304" pitchFamily="18" charset="0"/>
+                <a:cs typeface="Times New Roman" panose="02020603050405020304" pitchFamily="18" charset="0"/>
+              </a:rPr>
+              <a:t>Rayman Kaur</a:t>
+            </a:r>
+            <a:endParaRPr lang="en-IN" dirty="0">
+              <a:latin typeface="Times New Roman" panose="02020603050405020304" pitchFamily="18" charset="0"/>
+              <a:cs typeface="Times New Roman" panose="02020603050405020304" pitchFamily="18" charset="0"/>
+            </a:endParaRPr>
+          </a:p>
+        </p:txBody>
+      </p:sp>
+      <p:sp>
+        <p:nvSpPr>
+          <p:cNvPr id="4" name="Title 1">
+            <a:extLst>
+              <a:ext uri="{FF2B5EF4-FFF2-40B4-BE49-F238E27FC236}">
+                <a16:creationId xmlns:a16="http://schemas.microsoft.com/office/drawing/2014/main" id="{EA867B9C-50E4-469F-8D86-254B4B9B67DE}"/>
+              </a:ext>
+            </a:extLst>
+          </p:cNvPr>
+          <p:cNvSpPr txBox="1">
+            <a:spLocks/>
+          </p:cNvSpPr>
+          <p:nvPr/>
+        </p:nvSpPr>
+        <p:spPr>
+          <a:xfrm>
+            <a:off x="2461098" y="1332187"/>
+            <a:ext cx="8206901" cy="1147313"/>
+          </a:xfrm>
+          <a:prstGeom prst="rect">
+            <a:avLst/>
+          </a:prstGeom>
+        </p:spPr>
+        <p:txBody>
+          <a:bodyPr vert="horz" lIns="91440" tIns="45720" rIns="91440" bIns="45720" rtlCol="0" anchor="b">
+            <a:normAutofit/>
+          </a:bodyPr>
+          <a:lstStyle>
+            <a:lvl1pPr algn="ctr" defTabSz="914400" rtl="0" eaLnBrk="1" latinLnBrk="0" hangingPunct="1">
+              <a:lnSpc>
+                <a:spcPct val="90000"/>
+              </a:lnSpc>
+              <a:spcBef>
+                <a:spcPct val="0"/>
+              </a:spcBef>
+              <a:buNone/>
+              <a:defRPr sz="6000" kern="1200">
+                <a:solidFill>
+                  <a:schemeClr val="tx1"/>
+                </a:solidFill>
+                <a:latin typeface="+mj-lt"/>
+                <a:ea typeface="+mj-ea"/>
+                <a:cs typeface="+mj-cs"/>
+              </a:defRPr>
+            </a:lvl1pPr>
+          </a:lstStyle>
+          <a:p>
+            <a:r>
+              <a:rPr lang="en-US" dirty="0">
+                <a:latin typeface="Times New Roman" panose="02020603050405020304" pitchFamily="18" charset="0"/>
+                <a:cs typeface="Times New Roman" panose="02020603050405020304" pitchFamily="18" charset="0"/>
+              </a:rPr>
+              <a:t>Loan Processing System</a:t>
+            </a:r>
+            <a:endParaRPr lang="en-IN" dirty="0">
+              <a:latin typeface="Times New Roman" panose="02020603050405020304" pitchFamily="18" charset="0"/>
+              <a:cs typeface="Times New Roman" panose="02020603050405020304" pitchFamily="18" charset="0"/>
+            </a:endParaRPr>
           </a:p>
         </p:txBody>
       </p:sp>
@@ -3443,7 +3556,7 @@
           <p:cNvPr id="2" name="Title 1">
             <a:extLst>
               <a:ext uri="{FF2B5EF4-FFF2-40B4-BE49-F238E27FC236}">
-                <a16:creationId xmlns:a16="http://schemas.microsoft.com/office/drawing/2014/main" id="{8D57A286-2AA9-4D75-84C1-C891B44B0D6A}"/>
+                <a16:creationId xmlns:a16="http://schemas.microsoft.com/office/drawing/2014/main" id="{D5544E44-7C09-49E6-9FE4-F6329C66E8D6}"/>
               </a:ext>
             </a:extLst>
           </p:cNvPr>
@@ -3454,67 +3567,48 @@
             <p:ph type="title"/>
           </p:nvPr>
         </p:nvSpPr>
-        <p:spPr/>
-        <p:txBody>
-          <a:bodyPr/>
-          <a:lstStyle/>
-          <a:p>
-            <a:r>
-              <a:rPr lang="en-US" dirty="0"/>
-              <a:t>View All Application</a:t>
-            </a:r>
-            <a:endParaRPr lang="en-IN" dirty="0"/>
-          </a:p>
-        </p:txBody>
-      </p:sp>
-      <p:sp>
-        <p:nvSpPr>
-          <p:cNvPr id="3" name="Content Placeholder 2">
-            <a:extLst>
-              <a:ext uri="{FF2B5EF4-FFF2-40B4-BE49-F238E27FC236}">
-                <a16:creationId xmlns:a16="http://schemas.microsoft.com/office/drawing/2014/main" id="{DC382066-342B-43F6-A64B-8F8DE3DF20F1}"/>
-              </a:ext>
-            </a:extLst>
-          </p:cNvPr>
-          <p:cNvSpPr>
-            <a:spLocks noGrp="1"/>
-          </p:cNvSpPr>
-          <p:nvPr>
-            <p:ph idx="1"/>
-          </p:nvPr>
-        </p:nvSpPr>
-        <p:spPr/>
-        <p:txBody>
-          <a:bodyPr/>
-          <a:lstStyle/>
-          <a:p>
-            <a:r>
-              <a:rPr lang="en-US" dirty="0"/>
-              <a:t>Functionality: Search , sort first name, email, date</a:t>
-            </a:r>
-          </a:p>
-          <a:p>
-            <a:r>
-              <a:rPr lang="en-US" dirty="0"/>
-              <a:t>Redirectable Linking: Edit, view, Delete</a:t>
-            </a:r>
-          </a:p>
-          <a:p>
-            <a:endParaRPr lang="en-US" dirty="0"/>
-          </a:p>
-          <a:p>
+        <p:spPr>
+          <a:xfrm>
+            <a:off x="838200" y="2776858"/>
+            <a:ext cx="10515600" cy="1304284"/>
+          </a:xfrm>
+        </p:spPr>
+        <p:txBody>
+          <a:bodyPr>
+            <a:normAutofit fontScale="90000"/>
+          </a:bodyPr>
+          <a:lstStyle/>
+          <a:p>
+            <a:pPr algn="ctr"/>
             <a:r>
               <a:rPr lang="en-US" dirty="0">
-                <a:solidFill>
-                  <a:srgbClr val="FF0000"/>
-                </a:solidFill>
-              </a:rPr>
-              <a:t>Left : Validate Status, id :- view</a:t>
-            </a:r>
-            <a:endParaRPr lang="en-IN" dirty="0">
-              <a:solidFill>
-                <a:srgbClr val="FF0000"/>
-              </a:solidFill>
+                <a:latin typeface="Times New Roman" panose="02020603050405020304" pitchFamily="18" charset="0"/>
+                <a:cs typeface="Times New Roman" panose="02020603050405020304" pitchFamily="18" charset="0"/>
+              </a:rPr>
+              <a:t>Here’s the demo!</a:t>
+            </a:r>
+            <a:br>
+              <a:rPr lang="en-US" dirty="0">
+                <a:latin typeface="Times New Roman" panose="02020603050405020304" pitchFamily="18" charset="0"/>
+                <a:cs typeface="Times New Roman" panose="02020603050405020304" pitchFamily="18" charset="0"/>
+              </a:rPr>
+            </a:br>
+            <a:br>
+              <a:rPr lang="en-US" dirty="0">
+                <a:latin typeface="Times New Roman" panose="02020603050405020304" pitchFamily="18" charset="0"/>
+                <a:cs typeface="Times New Roman" panose="02020603050405020304" pitchFamily="18" charset="0"/>
+              </a:rPr>
+            </a:br>
+            <a:r>
+              <a:rPr lang="en-US" sz="2200" dirty="0">
+                <a:latin typeface="Times New Roman" panose="02020603050405020304" pitchFamily="18" charset="0"/>
+                <a:cs typeface="Times New Roman" panose="02020603050405020304" pitchFamily="18" charset="0"/>
+              </a:rPr>
+              <a:t>Open to reviews</a:t>
+            </a:r>
+            <a:endParaRPr lang="en-IN" sz="2200" dirty="0">
+              <a:latin typeface="Times New Roman" panose="02020603050405020304" pitchFamily="18" charset="0"/>
+              <a:cs typeface="Times New Roman" panose="02020603050405020304" pitchFamily="18" charset="0"/>
             </a:endParaRPr>
           </a:p>
         </p:txBody>
@@ -3522,326 +3616,7 @@
     </p:spTree>
     <p:extLst>
       <p:ext uri="{BB962C8B-B14F-4D97-AF65-F5344CB8AC3E}">
-        <p14:creationId xmlns:p14="http://schemas.microsoft.com/office/powerpoint/2010/main" val="3958362044"/>
-      </p:ext>
-    </p:extLst>
-  </p:cSld>
-  <p:clrMapOvr>
-    <a:masterClrMapping/>
-  </p:clrMapOvr>
-</p:sld>
-</file>
-
-<file path=ppt/slides/slide11.xml><?xml version="1.0" encoding="utf-8"?>
-<p:sld xmlns:a="http://schemas.openxmlformats.org/drawingml/2006/main" xmlns:r="http://schemas.openxmlformats.org/officeDocument/2006/relationships" xmlns:p="http://schemas.openxmlformats.org/presentationml/2006/main">
-  <p:cSld>
-    <p:spTree>
-      <p:nvGrpSpPr>
-        <p:cNvPr id="1" name=""/>
-        <p:cNvGrpSpPr/>
-        <p:nvPr/>
-      </p:nvGrpSpPr>
-      <p:grpSpPr>
-        <a:xfrm>
-          <a:off x="0" y="0"/>
-          <a:ext cx="0" cy="0"/>
-          <a:chOff x="0" y="0"/>
-          <a:chExt cx="0" cy="0"/>
-        </a:xfrm>
-      </p:grpSpPr>
-      <p:sp>
-        <p:nvSpPr>
-          <p:cNvPr id="2" name="Title 1">
-            <a:extLst>
-              <a:ext uri="{FF2B5EF4-FFF2-40B4-BE49-F238E27FC236}">
-                <a16:creationId xmlns:a16="http://schemas.microsoft.com/office/drawing/2014/main" id="{3D0CC0DA-F6A0-4867-AEE7-B7CDC13F9B25}"/>
-              </a:ext>
-            </a:extLst>
-          </p:cNvPr>
-          <p:cNvSpPr>
-            <a:spLocks noGrp="1"/>
-          </p:cNvSpPr>
-          <p:nvPr>
-            <p:ph type="title"/>
-          </p:nvPr>
-        </p:nvSpPr>
-        <p:spPr/>
-        <p:txBody>
-          <a:bodyPr/>
-          <a:lstStyle/>
-          <a:p>
-            <a:r>
-              <a:rPr lang="en-US"/>
-              <a:t>Login DB – users table</a:t>
-            </a:r>
-            <a:endParaRPr lang="en-IN" dirty="0"/>
-          </a:p>
-        </p:txBody>
-      </p:sp>
-      <p:sp>
-        <p:nvSpPr>
-          <p:cNvPr id="3" name="Content Placeholder 2">
-            <a:extLst>
-              <a:ext uri="{FF2B5EF4-FFF2-40B4-BE49-F238E27FC236}">
-                <a16:creationId xmlns:a16="http://schemas.microsoft.com/office/drawing/2014/main" id="{6876B755-F376-4856-AB37-81164CCFB8DA}"/>
-              </a:ext>
-            </a:extLst>
-          </p:cNvPr>
-          <p:cNvSpPr>
-            <a:spLocks noGrp="1"/>
-          </p:cNvSpPr>
-          <p:nvPr>
-            <p:ph idx="1"/>
-          </p:nvPr>
-        </p:nvSpPr>
-        <p:spPr/>
-        <p:txBody>
-          <a:bodyPr/>
-          <a:lstStyle/>
-          <a:p>
-            <a:r>
-              <a:rPr lang="en-US" dirty="0"/>
-              <a:t>Primary Key: Username-&gt; check DB if user name exists or not -&gt; error pop up</a:t>
-            </a:r>
-          </a:p>
-          <a:p>
-            <a:r>
-              <a:rPr lang="en-US" dirty="0"/>
-              <a:t>Password: Validation</a:t>
-            </a:r>
-            <a:br>
-              <a:rPr lang="en-US" dirty="0"/>
-            </a:br>
-            <a:br>
-              <a:rPr lang="en-US" dirty="0"/>
-            </a:br>
-            <a:endParaRPr lang="en-IN" dirty="0"/>
-          </a:p>
-        </p:txBody>
-      </p:sp>
-    </p:spTree>
-    <p:extLst>
-      <p:ext uri="{BB962C8B-B14F-4D97-AF65-F5344CB8AC3E}">
-        <p14:creationId xmlns:p14="http://schemas.microsoft.com/office/powerpoint/2010/main" val="3879667959"/>
-      </p:ext>
-    </p:extLst>
-  </p:cSld>
-  <p:clrMapOvr>
-    <a:masterClrMapping/>
-  </p:clrMapOvr>
-</p:sld>
-</file>
-
-<file path=ppt/slides/slide12.xml><?xml version="1.0" encoding="utf-8"?>
-<p:sld xmlns:a="http://schemas.openxmlformats.org/drawingml/2006/main" xmlns:r="http://schemas.openxmlformats.org/officeDocument/2006/relationships" xmlns:p="http://schemas.openxmlformats.org/presentationml/2006/main">
-  <p:cSld>
-    <p:spTree>
-      <p:nvGrpSpPr>
-        <p:cNvPr id="1" name=""/>
-        <p:cNvGrpSpPr/>
-        <p:nvPr/>
-      </p:nvGrpSpPr>
-      <p:grpSpPr>
-        <a:xfrm>
-          <a:off x="0" y="0"/>
-          <a:ext cx="0" cy="0"/>
-          <a:chOff x="0" y="0"/>
-          <a:chExt cx="0" cy="0"/>
-        </a:xfrm>
-      </p:grpSpPr>
-      <p:sp>
-        <p:nvSpPr>
-          <p:cNvPr id="2" name="Title 1">
-            <a:extLst>
-              <a:ext uri="{FF2B5EF4-FFF2-40B4-BE49-F238E27FC236}">
-                <a16:creationId xmlns:a16="http://schemas.microsoft.com/office/drawing/2014/main" id="{C248B576-2A0E-4B6E-A4D1-143C57960F71}"/>
-              </a:ext>
-            </a:extLst>
-          </p:cNvPr>
-          <p:cNvSpPr>
-            <a:spLocks noGrp="1"/>
-          </p:cNvSpPr>
-          <p:nvPr>
-            <p:ph type="title"/>
-          </p:nvPr>
-        </p:nvSpPr>
-        <p:spPr/>
-        <p:txBody>
-          <a:bodyPr/>
-          <a:lstStyle/>
-          <a:p>
-            <a:r>
-              <a:rPr lang="en-US" dirty="0"/>
-              <a:t>Register-</a:t>
-            </a:r>
-            <a:r>
-              <a:rPr lang="en-US" dirty="0" err="1"/>
-              <a:t>testDB</a:t>
-            </a:r>
-            <a:r>
-              <a:rPr lang="en-US" dirty="0"/>
-              <a:t> – users table</a:t>
-            </a:r>
-            <a:endParaRPr lang="en-IN" dirty="0"/>
-          </a:p>
-        </p:txBody>
-      </p:sp>
-      <p:sp>
-        <p:nvSpPr>
-          <p:cNvPr id="3" name="Content Placeholder 2">
-            <a:extLst>
-              <a:ext uri="{FF2B5EF4-FFF2-40B4-BE49-F238E27FC236}">
-                <a16:creationId xmlns:a16="http://schemas.microsoft.com/office/drawing/2014/main" id="{61EDDF09-DB36-4494-B53B-550E75B9CF64}"/>
-              </a:ext>
-            </a:extLst>
-          </p:cNvPr>
-          <p:cNvSpPr>
-            <a:spLocks noGrp="1"/>
-          </p:cNvSpPr>
-          <p:nvPr>
-            <p:ph idx="1"/>
-          </p:nvPr>
-        </p:nvSpPr>
-        <p:spPr/>
-        <p:txBody>
-          <a:bodyPr/>
-          <a:lstStyle/>
-          <a:p>
-            <a:r>
-              <a:rPr lang="en-US" dirty="0"/>
-              <a:t>First Name*</a:t>
-            </a:r>
-          </a:p>
-          <a:p>
-            <a:r>
-              <a:rPr lang="en-US" dirty="0"/>
-              <a:t>Last name*</a:t>
-            </a:r>
-          </a:p>
-          <a:p>
-            <a:r>
-              <a:rPr lang="en-US" dirty="0"/>
-              <a:t>Username: Check if username exists or not in DB -&gt; if exists: show username not available.</a:t>
-            </a:r>
-          </a:p>
-          <a:p>
-            <a:r>
-              <a:rPr lang="en-US" dirty="0"/>
-              <a:t>Password: Must be more than 4 characters </a:t>
-            </a:r>
-          </a:p>
-          <a:p>
-            <a:endParaRPr lang="en-US" dirty="0"/>
-          </a:p>
-          <a:p>
-            <a:endParaRPr lang="en-IN" dirty="0"/>
-          </a:p>
-        </p:txBody>
-      </p:sp>
-    </p:spTree>
-    <p:extLst>
-      <p:ext uri="{BB962C8B-B14F-4D97-AF65-F5344CB8AC3E}">
-        <p14:creationId xmlns:p14="http://schemas.microsoft.com/office/powerpoint/2010/main" val="2197855193"/>
-      </p:ext>
-    </p:extLst>
-  </p:cSld>
-  <p:clrMapOvr>
-    <a:masterClrMapping/>
-  </p:clrMapOvr>
-</p:sld>
-</file>
-
-<file path=ppt/slides/slide13.xml><?xml version="1.0" encoding="utf-8"?>
-<p:sld xmlns:a="http://schemas.openxmlformats.org/drawingml/2006/main" xmlns:r="http://schemas.openxmlformats.org/officeDocument/2006/relationships" xmlns:p="http://schemas.openxmlformats.org/presentationml/2006/main">
-  <p:cSld>
-    <p:spTree>
-      <p:nvGrpSpPr>
-        <p:cNvPr id="1" name=""/>
-        <p:cNvGrpSpPr/>
-        <p:nvPr/>
-      </p:nvGrpSpPr>
-      <p:grpSpPr>
-        <a:xfrm>
-          <a:off x="0" y="0"/>
-          <a:ext cx="0" cy="0"/>
-          <a:chOff x="0" y="0"/>
-          <a:chExt cx="0" cy="0"/>
-        </a:xfrm>
-      </p:grpSpPr>
-      <p:sp>
-        <p:nvSpPr>
-          <p:cNvPr id="2" name="Title 1">
-            <a:extLst>
-              <a:ext uri="{FF2B5EF4-FFF2-40B4-BE49-F238E27FC236}">
-                <a16:creationId xmlns:a16="http://schemas.microsoft.com/office/drawing/2014/main" id="{734D6E02-0D06-43FB-BAC0-78A7EB15DFDF}"/>
-              </a:ext>
-            </a:extLst>
-          </p:cNvPr>
-          <p:cNvSpPr>
-            <a:spLocks noGrp="1"/>
-          </p:cNvSpPr>
-          <p:nvPr>
-            <p:ph type="title"/>
-          </p:nvPr>
-        </p:nvSpPr>
-        <p:spPr/>
-        <p:txBody>
-          <a:bodyPr/>
-          <a:lstStyle/>
-          <a:p>
-            <a:r>
-              <a:rPr lang="en-US" dirty="0" err="1"/>
-              <a:t>testDB</a:t>
-            </a:r>
-            <a:endParaRPr lang="en-IN" dirty="0"/>
-          </a:p>
-        </p:txBody>
-      </p:sp>
-      <p:sp>
-        <p:nvSpPr>
-          <p:cNvPr id="3" name="Content Placeholder 2">
-            <a:extLst>
-              <a:ext uri="{FF2B5EF4-FFF2-40B4-BE49-F238E27FC236}">
-                <a16:creationId xmlns:a16="http://schemas.microsoft.com/office/drawing/2014/main" id="{3295D5C0-6AF6-418B-BB8C-318A1AE172A6}"/>
-              </a:ext>
-            </a:extLst>
-          </p:cNvPr>
-          <p:cNvSpPr>
-            <a:spLocks noGrp="1"/>
-          </p:cNvSpPr>
-          <p:nvPr>
-            <p:ph idx="1"/>
-          </p:nvPr>
-        </p:nvSpPr>
-        <p:spPr/>
-        <p:txBody>
-          <a:bodyPr/>
-          <a:lstStyle/>
-          <a:p>
-            <a:r>
-              <a:rPr lang="en-US" dirty="0"/>
-              <a:t>Students Table : All Submit new application form details, id, Submitted date, </a:t>
-            </a:r>
-            <a:r>
-              <a:rPr lang="en-US" dirty="0">
-                <a:solidFill>
-                  <a:srgbClr val="FF0000"/>
-                </a:solidFill>
-              </a:rPr>
-              <a:t>Status</a:t>
-            </a:r>
-            <a:endParaRPr lang="en-IN" dirty="0">
-              <a:solidFill>
-                <a:srgbClr val="FF0000"/>
-              </a:solidFill>
-            </a:endParaRPr>
-          </a:p>
-        </p:txBody>
-      </p:sp>
-    </p:spTree>
-    <p:extLst>
-      <p:ext uri="{BB962C8B-B14F-4D97-AF65-F5344CB8AC3E}">
-        <p14:creationId xmlns:p14="http://schemas.microsoft.com/office/powerpoint/2010/main" val="3759330696"/>
+        <p14:creationId xmlns:p14="http://schemas.microsoft.com/office/powerpoint/2010/main" val="1992116550"/>
       </p:ext>
     </p:extLst>
   </p:cSld>
@@ -3873,7 +3648,7 @@
           <p:cNvPr id="2" name="Title 1">
             <a:extLst>
               <a:ext uri="{FF2B5EF4-FFF2-40B4-BE49-F238E27FC236}">
-                <a16:creationId xmlns:a16="http://schemas.microsoft.com/office/drawing/2014/main" id="{0A61A2D5-1161-44A7-A8C6-8B6FCC5BBD96}"/>
+                <a16:creationId xmlns:a16="http://schemas.microsoft.com/office/drawing/2014/main" id="{E0E43677-7DC8-465F-9651-1424691EB254}"/>
               </a:ext>
             </a:extLst>
           </p:cNvPr>
@@ -3889,64 +3664,1123 @@
           <a:bodyPr/>
           <a:lstStyle/>
           <a:p>
-            <a:r>
-              <a:rPr lang="en-US" dirty="0"/>
-              <a:t>Login</a:t>
-            </a:r>
-            <a:endParaRPr lang="en-IN" dirty="0"/>
-          </a:p>
-        </p:txBody>
-      </p:sp>
-      <p:sp>
-        <p:nvSpPr>
-          <p:cNvPr id="3" name="Content Placeholder 2">
-            <a:extLst>
-              <a:ext uri="{FF2B5EF4-FFF2-40B4-BE49-F238E27FC236}">
-                <a16:creationId xmlns:a16="http://schemas.microsoft.com/office/drawing/2014/main" id="{4AF1FD93-0033-4B8C-899A-3A7A636FB4AF}"/>
-              </a:ext>
-            </a:extLst>
-          </p:cNvPr>
-          <p:cNvSpPr>
-            <a:spLocks noGrp="1"/>
-          </p:cNvSpPr>
-          <p:nvPr>
-            <p:ph idx="1"/>
-          </p:nvPr>
-        </p:nvSpPr>
-        <p:spPr/>
+            <a:pPr algn="ctr"/>
+            <a:r>
+              <a:rPr lang="en-US" dirty="0">
+                <a:latin typeface="Times New Roman" panose="02020603050405020304" pitchFamily="18" charset="0"/>
+                <a:cs typeface="Times New Roman" panose="02020603050405020304" pitchFamily="18" charset="0"/>
+              </a:rPr>
+              <a:t>Technologies Used</a:t>
+            </a:r>
+            <a:endParaRPr lang="en-IN" dirty="0">
+              <a:latin typeface="Times New Roman" panose="02020603050405020304" pitchFamily="18" charset="0"/>
+              <a:cs typeface="Times New Roman" panose="02020603050405020304" pitchFamily="18" charset="0"/>
+            </a:endParaRPr>
+          </a:p>
+        </p:txBody>
+      </p:sp>
+      <p:sp>
+        <p:nvSpPr>
+          <p:cNvPr id="3" name="Text Placeholder 2">
+            <a:extLst>
+              <a:ext uri="{FF2B5EF4-FFF2-40B4-BE49-F238E27FC236}">
+                <a16:creationId xmlns:a16="http://schemas.microsoft.com/office/drawing/2014/main" id="{EA58B9EE-06D8-4587-922F-296360B70BF6}"/>
+              </a:ext>
+            </a:extLst>
+          </p:cNvPr>
+          <p:cNvSpPr>
+            <a:spLocks noGrp="1"/>
+          </p:cNvSpPr>
+          <p:nvPr>
+            <p:ph type="body" idx="1"/>
+          </p:nvPr>
+        </p:nvSpPr>
+        <p:spPr>
+          <a:xfrm>
+            <a:off x="1129092" y="1783683"/>
+            <a:ext cx="4981600" cy="823912"/>
+          </a:xfrm>
+        </p:spPr>
         <p:txBody>
           <a:bodyPr/>
           <a:lstStyle/>
           <a:p>
             <a:r>
-              <a:rPr lang="en-US" dirty="0"/>
-              <a:t>Login</a:t>
-            </a:r>
-          </a:p>
-          <a:p>
-            <a:r>
-              <a:rPr lang="en-US" dirty="0"/>
-              <a:t>New User-&gt;Register</a:t>
-            </a:r>
-          </a:p>
-          <a:p>
-            <a:endParaRPr lang="en-US" dirty="0"/>
-          </a:p>
-          <a:p>
-            <a:r>
-              <a:rPr lang="en-US" dirty="0"/>
-              <a:t>Validation: No Empty field: Username, Password</a:t>
-            </a:r>
-          </a:p>
-          <a:p>
-            <a:endParaRPr lang="en-IN" dirty="0"/>
+              <a:rPr lang="en-US" dirty="0">
+                <a:latin typeface="Times New Roman" panose="02020603050405020304" pitchFamily="18" charset="0"/>
+                <a:cs typeface="Times New Roman" panose="02020603050405020304" pitchFamily="18" charset="0"/>
+              </a:rPr>
+              <a:t>Front-end</a:t>
+            </a:r>
+            <a:endParaRPr lang="en-IN" dirty="0">
+              <a:latin typeface="Times New Roman" panose="02020603050405020304" pitchFamily="18" charset="0"/>
+              <a:cs typeface="Times New Roman" panose="02020603050405020304" pitchFamily="18" charset="0"/>
+            </a:endParaRPr>
+          </a:p>
+        </p:txBody>
+      </p:sp>
+      <p:sp>
+        <p:nvSpPr>
+          <p:cNvPr id="4" name="Content Placeholder 3">
+            <a:extLst>
+              <a:ext uri="{FF2B5EF4-FFF2-40B4-BE49-F238E27FC236}">
+                <a16:creationId xmlns:a16="http://schemas.microsoft.com/office/drawing/2014/main" id="{62D97F26-5C88-43CE-BD83-7C263ECC07D1}"/>
+              </a:ext>
+            </a:extLst>
+          </p:cNvPr>
+          <p:cNvSpPr>
+            <a:spLocks noGrp="1"/>
+          </p:cNvSpPr>
+          <p:nvPr>
+            <p:ph sz="half" idx="2"/>
+          </p:nvPr>
+        </p:nvSpPr>
+        <p:spPr>
+          <a:xfrm>
+            <a:off x="1086959" y="2349260"/>
+            <a:ext cx="4910616" cy="3341421"/>
+          </a:xfrm>
+        </p:spPr>
+        <p:txBody>
+          <a:bodyPr>
+            <a:normAutofit/>
+          </a:bodyPr>
+          <a:lstStyle/>
+          <a:p>
+            <a:pPr marL="0" indent="0">
+              <a:buNone/>
+            </a:pPr>
+            <a:endParaRPr lang="en-US" dirty="0">
+              <a:latin typeface="Times New Roman" panose="02020603050405020304" pitchFamily="18" charset="0"/>
+              <a:cs typeface="Times New Roman" panose="02020603050405020304" pitchFamily="18" charset="0"/>
+            </a:endParaRPr>
+          </a:p>
+          <a:p>
+            <a:r>
+              <a:rPr lang="en-US" dirty="0">
+                <a:latin typeface="Times New Roman" panose="02020603050405020304" pitchFamily="18" charset="0"/>
+                <a:cs typeface="Times New Roman" panose="02020603050405020304" pitchFamily="18" charset="0"/>
+              </a:rPr>
+              <a:t>HTML</a:t>
+            </a:r>
+          </a:p>
+          <a:p>
+            <a:r>
+              <a:rPr lang="en-US" dirty="0">
+                <a:latin typeface="Times New Roman" panose="02020603050405020304" pitchFamily="18" charset="0"/>
+                <a:cs typeface="Times New Roman" panose="02020603050405020304" pitchFamily="18" charset="0"/>
+              </a:rPr>
+              <a:t>CSS</a:t>
+            </a:r>
+          </a:p>
+          <a:p>
+            <a:r>
+              <a:rPr lang="en-US" dirty="0">
+                <a:latin typeface="Times New Roman" panose="02020603050405020304" pitchFamily="18" charset="0"/>
+                <a:cs typeface="Times New Roman" panose="02020603050405020304" pitchFamily="18" charset="0"/>
+              </a:rPr>
+              <a:t>JavaScript</a:t>
+            </a:r>
+          </a:p>
+          <a:p>
+            <a:r>
+              <a:rPr lang="en-US" dirty="0">
+                <a:latin typeface="Times New Roman" panose="02020603050405020304" pitchFamily="18" charset="0"/>
+                <a:cs typeface="Times New Roman" panose="02020603050405020304" pitchFamily="18" charset="0"/>
+              </a:rPr>
+              <a:t>Bootstrap</a:t>
+            </a:r>
+          </a:p>
+          <a:p>
+            <a:r>
+              <a:rPr lang="en-US" dirty="0" err="1">
+                <a:latin typeface="Times New Roman" panose="02020603050405020304" pitchFamily="18" charset="0"/>
+                <a:cs typeface="Times New Roman" panose="02020603050405020304" pitchFamily="18" charset="0"/>
+              </a:rPr>
+              <a:t>Jquery</a:t>
+            </a:r>
+            <a:endParaRPr lang="en-US" dirty="0">
+              <a:latin typeface="Times New Roman" panose="02020603050405020304" pitchFamily="18" charset="0"/>
+              <a:cs typeface="Times New Roman" panose="02020603050405020304" pitchFamily="18" charset="0"/>
+            </a:endParaRPr>
+          </a:p>
+          <a:p>
+            <a:endParaRPr lang="en-IN" dirty="0">
+              <a:latin typeface="Times New Roman" panose="02020603050405020304" pitchFamily="18" charset="0"/>
+              <a:cs typeface="Times New Roman" panose="02020603050405020304" pitchFamily="18" charset="0"/>
+            </a:endParaRPr>
+          </a:p>
+        </p:txBody>
+      </p:sp>
+      <p:sp>
+        <p:nvSpPr>
+          <p:cNvPr id="5" name="Text Placeholder 4">
+            <a:extLst>
+              <a:ext uri="{FF2B5EF4-FFF2-40B4-BE49-F238E27FC236}">
+                <a16:creationId xmlns:a16="http://schemas.microsoft.com/office/drawing/2014/main" id="{8AFE95B2-C2ED-4DA6-8B7A-7AAB1DE77890}"/>
+              </a:ext>
+            </a:extLst>
+          </p:cNvPr>
+          <p:cNvSpPr>
+            <a:spLocks noGrp="1"/>
+          </p:cNvSpPr>
+          <p:nvPr>
+            <p:ph type="body" sz="quarter" idx="3"/>
+          </p:nvPr>
+        </p:nvSpPr>
+        <p:spPr>
+          <a:xfrm>
+            <a:off x="7811311" y="1690688"/>
+            <a:ext cx="5066386" cy="835666"/>
+          </a:xfrm>
+        </p:spPr>
+        <p:txBody>
+          <a:bodyPr/>
+          <a:lstStyle/>
+          <a:p>
+            <a:r>
+              <a:rPr lang="en-US" dirty="0">
+                <a:latin typeface="Times New Roman" panose="02020603050405020304" pitchFamily="18" charset="0"/>
+                <a:cs typeface="Times New Roman" panose="02020603050405020304" pitchFamily="18" charset="0"/>
+              </a:rPr>
+              <a:t>Backend</a:t>
+            </a:r>
+            <a:endParaRPr lang="en-IN" dirty="0">
+              <a:latin typeface="Times New Roman" panose="02020603050405020304" pitchFamily="18" charset="0"/>
+              <a:cs typeface="Times New Roman" panose="02020603050405020304" pitchFamily="18" charset="0"/>
+            </a:endParaRPr>
+          </a:p>
+        </p:txBody>
+      </p:sp>
+      <p:sp>
+        <p:nvSpPr>
+          <p:cNvPr id="6" name="Content Placeholder 5">
+            <a:extLst>
+              <a:ext uri="{FF2B5EF4-FFF2-40B4-BE49-F238E27FC236}">
+                <a16:creationId xmlns:a16="http://schemas.microsoft.com/office/drawing/2014/main" id="{A48958F1-2127-4378-8A11-9B6B54ABCCFD}"/>
+              </a:ext>
+            </a:extLst>
+          </p:cNvPr>
+          <p:cNvSpPr>
+            <a:spLocks noGrp="1"/>
+          </p:cNvSpPr>
+          <p:nvPr>
+            <p:ph sz="quarter" idx="4"/>
+          </p:nvPr>
+        </p:nvSpPr>
+        <p:spPr>
+          <a:xfrm>
+            <a:off x="4488197" y="2501660"/>
+            <a:ext cx="5066387" cy="3688003"/>
+          </a:xfrm>
+        </p:spPr>
+        <p:txBody>
+          <a:bodyPr>
+            <a:normAutofit/>
+          </a:bodyPr>
+          <a:lstStyle/>
+          <a:p>
+            <a:endParaRPr lang="en-US" dirty="0">
+              <a:latin typeface="Times New Roman" panose="02020603050405020304" pitchFamily="18" charset="0"/>
+              <a:cs typeface="Times New Roman" panose="02020603050405020304" pitchFamily="18" charset="0"/>
+            </a:endParaRPr>
+          </a:p>
+          <a:p>
+            <a:r>
+              <a:rPr lang="en-IN" dirty="0">
+                <a:latin typeface="Times New Roman" panose="02020603050405020304" pitchFamily="18" charset="0"/>
+                <a:cs typeface="Times New Roman" panose="02020603050405020304" pitchFamily="18" charset="0"/>
+              </a:rPr>
+              <a:t>MySQL</a:t>
+            </a:r>
+          </a:p>
+          <a:p>
+            <a:endParaRPr lang="en-IN" dirty="0">
+              <a:latin typeface="Times New Roman" panose="02020603050405020304" pitchFamily="18" charset="0"/>
+              <a:cs typeface="Times New Roman" panose="02020603050405020304" pitchFamily="18" charset="0"/>
+            </a:endParaRPr>
+          </a:p>
+        </p:txBody>
+      </p:sp>
+      <p:sp>
+        <p:nvSpPr>
+          <p:cNvPr id="7" name="Text Placeholder 4">
+            <a:extLst>
+              <a:ext uri="{FF2B5EF4-FFF2-40B4-BE49-F238E27FC236}">
+                <a16:creationId xmlns:a16="http://schemas.microsoft.com/office/drawing/2014/main" id="{8BDBEC29-6616-4ED2-9CE3-AD48A292CDA7}"/>
+              </a:ext>
+            </a:extLst>
+          </p:cNvPr>
+          <p:cNvSpPr txBox="1">
+            <a:spLocks/>
+          </p:cNvSpPr>
+          <p:nvPr/>
+        </p:nvSpPr>
+        <p:spPr>
+          <a:xfrm>
+            <a:off x="4472091" y="2085514"/>
+            <a:ext cx="4109917" cy="476337"/>
+          </a:xfrm>
+          <a:prstGeom prst="rect">
+            <a:avLst/>
+          </a:prstGeom>
+        </p:spPr>
+        <p:txBody>
+          <a:bodyPr vert="horz" lIns="91440" tIns="45720" rIns="91440" bIns="45720" rtlCol="0" anchor="b">
+            <a:normAutofit/>
+          </a:bodyPr>
+          <a:lstStyle>
+            <a:lvl1pPr marL="0" indent="0" algn="l" defTabSz="914400" rtl="0" eaLnBrk="1" latinLnBrk="0" hangingPunct="1">
+              <a:lnSpc>
+                <a:spcPct val="90000"/>
+              </a:lnSpc>
+              <a:spcBef>
+                <a:spcPts val="1000"/>
+              </a:spcBef>
+              <a:buFont typeface="Arial" panose="020B0604020202020204" pitchFamily="34" charset="0"/>
+              <a:buNone/>
+              <a:defRPr sz="2400" b="1" kern="1200">
+                <a:solidFill>
+                  <a:schemeClr val="tx1"/>
+                </a:solidFill>
+                <a:latin typeface="+mn-lt"/>
+                <a:ea typeface="+mn-ea"/>
+                <a:cs typeface="+mn-cs"/>
+              </a:defRPr>
+            </a:lvl1pPr>
+            <a:lvl2pPr marL="457200" indent="0" algn="l" defTabSz="914400" rtl="0" eaLnBrk="1" latinLnBrk="0" hangingPunct="1">
+              <a:lnSpc>
+                <a:spcPct val="90000"/>
+              </a:lnSpc>
+              <a:spcBef>
+                <a:spcPts val="500"/>
+              </a:spcBef>
+              <a:buFont typeface="Arial" panose="020B0604020202020204" pitchFamily="34" charset="0"/>
+              <a:buNone/>
+              <a:defRPr sz="2000" b="1" kern="1200">
+                <a:solidFill>
+                  <a:schemeClr val="tx1"/>
+                </a:solidFill>
+                <a:latin typeface="+mn-lt"/>
+                <a:ea typeface="+mn-ea"/>
+                <a:cs typeface="+mn-cs"/>
+              </a:defRPr>
+            </a:lvl2pPr>
+            <a:lvl3pPr marL="914400" indent="0" algn="l" defTabSz="914400" rtl="0" eaLnBrk="1" latinLnBrk="0" hangingPunct="1">
+              <a:lnSpc>
+                <a:spcPct val="90000"/>
+              </a:lnSpc>
+              <a:spcBef>
+                <a:spcPts val="500"/>
+              </a:spcBef>
+              <a:buFont typeface="Arial" panose="020B0604020202020204" pitchFamily="34" charset="0"/>
+              <a:buNone/>
+              <a:defRPr sz="1800" b="1" kern="1200">
+                <a:solidFill>
+                  <a:schemeClr val="tx1"/>
+                </a:solidFill>
+                <a:latin typeface="+mn-lt"/>
+                <a:ea typeface="+mn-ea"/>
+                <a:cs typeface="+mn-cs"/>
+              </a:defRPr>
+            </a:lvl3pPr>
+            <a:lvl4pPr marL="1371600" indent="0" algn="l" defTabSz="914400" rtl="0" eaLnBrk="1" latinLnBrk="0" hangingPunct="1">
+              <a:lnSpc>
+                <a:spcPct val="90000"/>
+              </a:lnSpc>
+              <a:spcBef>
+                <a:spcPts val="500"/>
+              </a:spcBef>
+              <a:buFont typeface="Arial" panose="020B0604020202020204" pitchFamily="34" charset="0"/>
+              <a:buNone/>
+              <a:defRPr sz="1600" b="1" kern="1200">
+                <a:solidFill>
+                  <a:schemeClr val="tx1"/>
+                </a:solidFill>
+                <a:latin typeface="+mn-lt"/>
+                <a:ea typeface="+mn-ea"/>
+                <a:cs typeface="+mn-cs"/>
+              </a:defRPr>
+            </a:lvl4pPr>
+            <a:lvl5pPr marL="1828800" indent="0" algn="l" defTabSz="914400" rtl="0" eaLnBrk="1" latinLnBrk="0" hangingPunct="1">
+              <a:lnSpc>
+                <a:spcPct val="90000"/>
+              </a:lnSpc>
+              <a:spcBef>
+                <a:spcPts val="500"/>
+              </a:spcBef>
+              <a:buFont typeface="Arial" panose="020B0604020202020204" pitchFamily="34" charset="0"/>
+              <a:buNone/>
+              <a:defRPr sz="1600" b="1" kern="1200">
+                <a:solidFill>
+                  <a:schemeClr val="tx1"/>
+                </a:solidFill>
+                <a:latin typeface="+mn-lt"/>
+                <a:ea typeface="+mn-ea"/>
+                <a:cs typeface="+mn-cs"/>
+              </a:defRPr>
+            </a:lvl5pPr>
+            <a:lvl6pPr marL="2286000" indent="0" algn="l" defTabSz="914400" rtl="0" eaLnBrk="1" latinLnBrk="0" hangingPunct="1">
+              <a:lnSpc>
+                <a:spcPct val="90000"/>
+              </a:lnSpc>
+              <a:spcBef>
+                <a:spcPts val="500"/>
+              </a:spcBef>
+              <a:buFont typeface="Arial" panose="020B0604020202020204" pitchFamily="34" charset="0"/>
+              <a:buNone/>
+              <a:defRPr sz="1600" b="1" kern="1200">
+                <a:solidFill>
+                  <a:schemeClr val="tx1"/>
+                </a:solidFill>
+                <a:latin typeface="+mn-lt"/>
+                <a:ea typeface="+mn-ea"/>
+                <a:cs typeface="+mn-cs"/>
+              </a:defRPr>
+            </a:lvl6pPr>
+            <a:lvl7pPr marL="2743200" indent="0" algn="l" defTabSz="914400" rtl="0" eaLnBrk="1" latinLnBrk="0" hangingPunct="1">
+              <a:lnSpc>
+                <a:spcPct val="90000"/>
+              </a:lnSpc>
+              <a:spcBef>
+                <a:spcPts val="500"/>
+              </a:spcBef>
+              <a:buFont typeface="Arial" panose="020B0604020202020204" pitchFamily="34" charset="0"/>
+              <a:buNone/>
+              <a:defRPr sz="1600" b="1" kern="1200">
+                <a:solidFill>
+                  <a:schemeClr val="tx1"/>
+                </a:solidFill>
+                <a:latin typeface="+mn-lt"/>
+                <a:ea typeface="+mn-ea"/>
+                <a:cs typeface="+mn-cs"/>
+              </a:defRPr>
+            </a:lvl7pPr>
+            <a:lvl8pPr marL="3200400" indent="0" algn="l" defTabSz="914400" rtl="0" eaLnBrk="1" latinLnBrk="0" hangingPunct="1">
+              <a:lnSpc>
+                <a:spcPct val="90000"/>
+              </a:lnSpc>
+              <a:spcBef>
+                <a:spcPts val="500"/>
+              </a:spcBef>
+              <a:buFont typeface="Arial" panose="020B0604020202020204" pitchFamily="34" charset="0"/>
+              <a:buNone/>
+              <a:defRPr sz="1600" b="1" kern="1200">
+                <a:solidFill>
+                  <a:schemeClr val="tx1"/>
+                </a:solidFill>
+                <a:latin typeface="+mn-lt"/>
+                <a:ea typeface="+mn-ea"/>
+                <a:cs typeface="+mn-cs"/>
+              </a:defRPr>
+            </a:lvl8pPr>
+            <a:lvl9pPr marL="3657600" indent="0" algn="l" defTabSz="914400" rtl="0" eaLnBrk="1" latinLnBrk="0" hangingPunct="1">
+              <a:lnSpc>
+                <a:spcPct val="90000"/>
+              </a:lnSpc>
+              <a:spcBef>
+                <a:spcPts val="500"/>
+              </a:spcBef>
+              <a:buFont typeface="Arial" panose="020B0604020202020204" pitchFamily="34" charset="0"/>
+              <a:buNone/>
+              <a:defRPr sz="1600" b="1" kern="1200">
+                <a:solidFill>
+                  <a:schemeClr val="tx1"/>
+                </a:solidFill>
+                <a:latin typeface="+mn-lt"/>
+                <a:ea typeface="+mn-ea"/>
+                <a:cs typeface="+mn-cs"/>
+              </a:defRPr>
+            </a:lvl9pPr>
+          </a:lstStyle>
+          <a:p>
+            <a:r>
+              <a:rPr lang="en-US" dirty="0">
+                <a:latin typeface="Times New Roman" panose="02020603050405020304" pitchFamily="18" charset="0"/>
+                <a:cs typeface="Times New Roman" panose="02020603050405020304" pitchFamily="18" charset="0"/>
+              </a:rPr>
+              <a:t>Database</a:t>
+            </a:r>
+            <a:endParaRPr lang="en-IN" dirty="0">
+              <a:latin typeface="Times New Roman" panose="02020603050405020304" pitchFamily="18" charset="0"/>
+              <a:cs typeface="Times New Roman" panose="02020603050405020304" pitchFamily="18" charset="0"/>
+            </a:endParaRPr>
+          </a:p>
+        </p:txBody>
+      </p:sp>
+      <p:sp>
+        <p:nvSpPr>
+          <p:cNvPr id="8" name="Content Placeholder 5">
+            <a:extLst>
+              <a:ext uri="{FF2B5EF4-FFF2-40B4-BE49-F238E27FC236}">
+                <a16:creationId xmlns:a16="http://schemas.microsoft.com/office/drawing/2014/main" id="{B4976D5F-52F3-442B-A54A-153165E87FB4}"/>
+              </a:ext>
+            </a:extLst>
+          </p:cNvPr>
+          <p:cNvSpPr txBox="1">
+            <a:spLocks/>
+          </p:cNvSpPr>
+          <p:nvPr/>
+        </p:nvSpPr>
+        <p:spPr>
+          <a:xfrm>
+            <a:off x="7873331" y="2639907"/>
+            <a:ext cx="5066386" cy="3688003"/>
+          </a:xfrm>
+          <a:prstGeom prst="rect">
+            <a:avLst/>
+          </a:prstGeom>
+        </p:spPr>
+        <p:txBody>
+          <a:bodyPr vert="horz" lIns="91440" tIns="45720" rIns="91440" bIns="45720" rtlCol="0">
+            <a:normAutofit/>
+          </a:bodyPr>
+          <a:lstStyle>
+            <a:lvl1pPr marL="228600" indent="-228600" algn="l" defTabSz="914400" rtl="0" eaLnBrk="1" latinLnBrk="0" hangingPunct="1">
+              <a:lnSpc>
+                <a:spcPct val="90000"/>
+              </a:lnSpc>
+              <a:spcBef>
+                <a:spcPts val="1000"/>
+              </a:spcBef>
+              <a:buFont typeface="Arial" panose="020B0604020202020204" pitchFamily="34" charset="0"/>
+              <a:buChar char="•"/>
+              <a:defRPr sz="2800" kern="1200">
+                <a:solidFill>
+                  <a:schemeClr val="tx1"/>
+                </a:solidFill>
+                <a:latin typeface="+mn-lt"/>
+                <a:ea typeface="+mn-ea"/>
+                <a:cs typeface="+mn-cs"/>
+              </a:defRPr>
+            </a:lvl1pPr>
+            <a:lvl2pPr marL="685800" indent="-228600" algn="l" defTabSz="914400" rtl="0" eaLnBrk="1" latinLnBrk="0" hangingPunct="1">
+              <a:lnSpc>
+                <a:spcPct val="90000"/>
+              </a:lnSpc>
+              <a:spcBef>
+                <a:spcPts val="500"/>
+              </a:spcBef>
+              <a:buFont typeface="Arial" panose="020B0604020202020204" pitchFamily="34" charset="0"/>
+              <a:buChar char="•"/>
+              <a:defRPr sz="2400" kern="1200">
+                <a:solidFill>
+                  <a:schemeClr val="tx1"/>
+                </a:solidFill>
+                <a:latin typeface="+mn-lt"/>
+                <a:ea typeface="+mn-ea"/>
+                <a:cs typeface="+mn-cs"/>
+              </a:defRPr>
+            </a:lvl2pPr>
+            <a:lvl3pPr marL="1143000" indent="-228600" algn="l" defTabSz="914400" rtl="0" eaLnBrk="1" latinLnBrk="0" hangingPunct="1">
+              <a:lnSpc>
+                <a:spcPct val="90000"/>
+              </a:lnSpc>
+              <a:spcBef>
+                <a:spcPts val="500"/>
+              </a:spcBef>
+              <a:buFont typeface="Arial" panose="020B0604020202020204" pitchFamily="34" charset="0"/>
+              <a:buChar char="•"/>
+              <a:defRPr sz="2000" kern="1200">
+                <a:solidFill>
+                  <a:schemeClr val="tx1"/>
+                </a:solidFill>
+                <a:latin typeface="+mn-lt"/>
+                <a:ea typeface="+mn-ea"/>
+                <a:cs typeface="+mn-cs"/>
+              </a:defRPr>
+            </a:lvl3pPr>
+            <a:lvl4pPr marL="1600200" indent="-228600" algn="l" defTabSz="914400" rtl="0" eaLnBrk="1" latinLnBrk="0" hangingPunct="1">
+              <a:lnSpc>
+                <a:spcPct val="90000"/>
+              </a:lnSpc>
+              <a:spcBef>
+                <a:spcPts val="500"/>
+              </a:spcBef>
+              <a:buFont typeface="Arial" panose="020B0604020202020204" pitchFamily="34" charset="0"/>
+              <a:buChar char="•"/>
+              <a:defRPr sz="1800" kern="1200">
+                <a:solidFill>
+                  <a:schemeClr val="tx1"/>
+                </a:solidFill>
+                <a:latin typeface="+mn-lt"/>
+                <a:ea typeface="+mn-ea"/>
+                <a:cs typeface="+mn-cs"/>
+              </a:defRPr>
+            </a:lvl4pPr>
+            <a:lvl5pPr marL="2057400" indent="-228600" algn="l" defTabSz="914400" rtl="0" eaLnBrk="1" latinLnBrk="0" hangingPunct="1">
+              <a:lnSpc>
+                <a:spcPct val="90000"/>
+              </a:lnSpc>
+              <a:spcBef>
+                <a:spcPts val="500"/>
+              </a:spcBef>
+              <a:buFont typeface="Arial" panose="020B0604020202020204" pitchFamily="34" charset="0"/>
+              <a:buChar char="•"/>
+              <a:defRPr sz="1800" kern="1200">
+                <a:solidFill>
+                  <a:schemeClr val="tx1"/>
+                </a:solidFill>
+                <a:latin typeface="+mn-lt"/>
+                <a:ea typeface="+mn-ea"/>
+                <a:cs typeface="+mn-cs"/>
+              </a:defRPr>
+            </a:lvl5pPr>
+            <a:lvl6pPr marL="2514600" indent="-228600" algn="l" defTabSz="914400" rtl="0" eaLnBrk="1" latinLnBrk="0" hangingPunct="1">
+              <a:lnSpc>
+                <a:spcPct val="90000"/>
+              </a:lnSpc>
+              <a:spcBef>
+                <a:spcPts val="500"/>
+              </a:spcBef>
+              <a:buFont typeface="Arial" panose="020B0604020202020204" pitchFamily="34" charset="0"/>
+              <a:buChar char="•"/>
+              <a:defRPr sz="1800" kern="1200">
+                <a:solidFill>
+                  <a:schemeClr val="tx1"/>
+                </a:solidFill>
+                <a:latin typeface="+mn-lt"/>
+                <a:ea typeface="+mn-ea"/>
+                <a:cs typeface="+mn-cs"/>
+              </a:defRPr>
+            </a:lvl6pPr>
+            <a:lvl7pPr marL="2971800" indent="-228600" algn="l" defTabSz="914400" rtl="0" eaLnBrk="1" latinLnBrk="0" hangingPunct="1">
+              <a:lnSpc>
+                <a:spcPct val="90000"/>
+              </a:lnSpc>
+              <a:spcBef>
+                <a:spcPts val="500"/>
+              </a:spcBef>
+              <a:buFont typeface="Arial" panose="020B0604020202020204" pitchFamily="34" charset="0"/>
+              <a:buChar char="•"/>
+              <a:defRPr sz="1800" kern="1200">
+                <a:solidFill>
+                  <a:schemeClr val="tx1"/>
+                </a:solidFill>
+                <a:latin typeface="+mn-lt"/>
+                <a:ea typeface="+mn-ea"/>
+                <a:cs typeface="+mn-cs"/>
+              </a:defRPr>
+            </a:lvl7pPr>
+            <a:lvl8pPr marL="3429000" indent="-228600" algn="l" defTabSz="914400" rtl="0" eaLnBrk="1" latinLnBrk="0" hangingPunct="1">
+              <a:lnSpc>
+                <a:spcPct val="90000"/>
+              </a:lnSpc>
+              <a:spcBef>
+                <a:spcPts val="500"/>
+              </a:spcBef>
+              <a:buFont typeface="Arial" panose="020B0604020202020204" pitchFamily="34" charset="0"/>
+              <a:buChar char="•"/>
+              <a:defRPr sz="1800" kern="1200">
+                <a:solidFill>
+                  <a:schemeClr val="tx1"/>
+                </a:solidFill>
+                <a:latin typeface="+mn-lt"/>
+                <a:ea typeface="+mn-ea"/>
+                <a:cs typeface="+mn-cs"/>
+              </a:defRPr>
+            </a:lvl8pPr>
+            <a:lvl9pPr marL="3886200" indent="-228600" algn="l" defTabSz="914400" rtl="0" eaLnBrk="1" latinLnBrk="0" hangingPunct="1">
+              <a:lnSpc>
+                <a:spcPct val="90000"/>
+              </a:lnSpc>
+              <a:spcBef>
+                <a:spcPts val="500"/>
+              </a:spcBef>
+              <a:buFont typeface="Arial" panose="020B0604020202020204" pitchFamily="34" charset="0"/>
+              <a:buChar char="•"/>
+              <a:defRPr sz="1800" kern="1200">
+                <a:solidFill>
+                  <a:schemeClr val="tx1"/>
+                </a:solidFill>
+                <a:latin typeface="+mn-lt"/>
+                <a:ea typeface="+mn-ea"/>
+                <a:cs typeface="+mn-cs"/>
+              </a:defRPr>
+            </a:lvl9pPr>
+          </a:lstStyle>
+          <a:p>
+            <a:endParaRPr lang="en-US" dirty="0">
+              <a:latin typeface="Times New Roman" panose="02020603050405020304" pitchFamily="18" charset="0"/>
+              <a:cs typeface="Times New Roman" panose="02020603050405020304" pitchFamily="18" charset="0"/>
+            </a:endParaRPr>
+          </a:p>
+          <a:p>
+            <a:r>
+              <a:rPr lang="en-US" dirty="0">
+                <a:latin typeface="Times New Roman" panose="02020603050405020304" pitchFamily="18" charset="0"/>
+                <a:cs typeface="Times New Roman" panose="02020603050405020304" pitchFamily="18" charset="0"/>
+              </a:rPr>
+              <a:t>Java EE</a:t>
+            </a:r>
+          </a:p>
+          <a:p>
+            <a:r>
+              <a:rPr lang="en-IN" dirty="0">
+                <a:latin typeface="Times New Roman" panose="02020603050405020304" pitchFamily="18" charset="0"/>
+                <a:cs typeface="Times New Roman" panose="02020603050405020304" pitchFamily="18" charset="0"/>
+              </a:rPr>
+              <a:t>Spring MVC</a:t>
+            </a:r>
+          </a:p>
+          <a:p>
+            <a:r>
+              <a:rPr lang="en-IN" dirty="0">
+                <a:latin typeface="Times New Roman" panose="02020603050405020304" pitchFamily="18" charset="0"/>
+                <a:cs typeface="Times New Roman" panose="02020603050405020304" pitchFamily="18" charset="0"/>
+              </a:rPr>
+              <a:t>Hibernate ORM</a:t>
+            </a:r>
+          </a:p>
+          <a:p>
+            <a:pPr marL="0" indent="0">
+              <a:buFont typeface="Arial" panose="020B0604020202020204" pitchFamily="34" charset="0"/>
+              <a:buNone/>
+            </a:pPr>
+            <a:endParaRPr lang="en-IN" dirty="0">
+              <a:latin typeface="Times New Roman" panose="02020603050405020304" pitchFamily="18" charset="0"/>
+              <a:cs typeface="Times New Roman" panose="02020603050405020304" pitchFamily="18" charset="0"/>
+            </a:endParaRPr>
+          </a:p>
+          <a:p>
+            <a:endParaRPr lang="en-IN" dirty="0">
+              <a:latin typeface="Times New Roman" panose="02020603050405020304" pitchFamily="18" charset="0"/>
+              <a:cs typeface="Times New Roman" panose="02020603050405020304" pitchFamily="18" charset="0"/>
+            </a:endParaRPr>
+          </a:p>
+          <a:p>
+            <a:endParaRPr lang="en-IN" dirty="0">
+              <a:latin typeface="Times New Roman" panose="02020603050405020304" pitchFamily="18" charset="0"/>
+              <a:cs typeface="Times New Roman" panose="02020603050405020304" pitchFamily="18" charset="0"/>
+            </a:endParaRPr>
+          </a:p>
+        </p:txBody>
+      </p:sp>
+      <p:sp>
+        <p:nvSpPr>
+          <p:cNvPr id="10" name="Text Placeholder 4">
+            <a:extLst>
+              <a:ext uri="{FF2B5EF4-FFF2-40B4-BE49-F238E27FC236}">
+                <a16:creationId xmlns:a16="http://schemas.microsoft.com/office/drawing/2014/main" id="{73450949-4712-41D5-BBAE-A9455B3D4E64}"/>
+              </a:ext>
+            </a:extLst>
+          </p:cNvPr>
+          <p:cNvSpPr txBox="1">
+            <a:spLocks/>
+          </p:cNvSpPr>
+          <p:nvPr/>
+        </p:nvSpPr>
+        <p:spPr>
+          <a:xfrm>
+            <a:off x="4488197" y="4007571"/>
+            <a:ext cx="4093812" cy="476337"/>
+          </a:xfrm>
+          <a:prstGeom prst="rect">
+            <a:avLst/>
+          </a:prstGeom>
+        </p:spPr>
+        <p:txBody>
+          <a:bodyPr vert="horz" lIns="91440" tIns="45720" rIns="91440" bIns="45720" rtlCol="0" anchor="b">
+            <a:normAutofit/>
+          </a:bodyPr>
+          <a:lstStyle>
+            <a:lvl1pPr marL="0" indent="0" algn="l" defTabSz="914400" rtl="0" eaLnBrk="1" latinLnBrk="0" hangingPunct="1">
+              <a:lnSpc>
+                <a:spcPct val="90000"/>
+              </a:lnSpc>
+              <a:spcBef>
+                <a:spcPts val="1000"/>
+              </a:spcBef>
+              <a:buFont typeface="Arial" panose="020B0604020202020204" pitchFamily="34" charset="0"/>
+              <a:buNone/>
+              <a:defRPr sz="2400" b="1" kern="1200">
+                <a:solidFill>
+                  <a:schemeClr val="tx1"/>
+                </a:solidFill>
+                <a:latin typeface="+mn-lt"/>
+                <a:ea typeface="+mn-ea"/>
+                <a:cs typeface="+mn-cs"/>
+              </a:defRPr>
+            </a:lvl1pPr>
+            <a:lvl2pPr marL="457200" indent="0" algn="l" defTabSz="914400" rtl="0" eaLnBrk="1" latinLnBrk="0" hangingPunct="1">
+              <a:lnSpc>
+                <a:spcPct val="90000"/>
+              </a:lnSpc>
+              <a:spcBef>
+                <a:spcPts val="500"/>
+              </a:spcBef>
+              <a:buFont typeface="Arial" panose="020B0604020202020204" pitchFamily="34" charset="0"/>
+              <a:buNone/>
+              <a:defRPr sz="2000" b="1" kern="1200">
+                <a:solidFill>
+                  <a:schemeClr val="tx1"/>
+                </a:solidFill>
+                <a:latin typeface="+mn-lt"/>
+                <a:ea typeface="+mn-ea"/>
+                <a:cs typeface="+mn-cs"/>
+              </a:defRPr>
+            </a:lvl2pPr>
+            <a:lvl3pPr marL="914400" indent="0" algn="l" defTabSz="914400" rtl="0" eaLnBrk="1" latinLnBrk="0" hangingPunct="1">
+              <a:lnSpc>
+                <a:spcPct val="90000"/>
+              </a:lnSpc>
+              <a:spcBef>
+                <a:spcPts val="500"/>
+              </a:spcBef>
+              <a:buFont typeface="Arial" panose="020B0604020202020204" pitchFamily="34" charset="0"/>
+              <a:buNone/>
+              <a:defRPr sz="1800" b="1" kern="1200">
+                <a:solidFill>
+                  <a:schemeClr val="tx1"/>
+                </a:solidFill>
+                <a:latin typeface="+mn-lt"/>
+                <a:ea typeface="+mn-ea"/>
+                <a:cs typeface="+mn-cs"/>
+              </a:defRPr>
+            </a:lvl3pPr>
+            <a:lvl4pPr marL="1371600" indent="0" algn="l" defTabSz="914400" rtl="0" eaLnBrk="1" latinLnBrk="0" hangingPunct="1">
+              <a:lnSpc>
+                <a:spcPct val="90000"/>
+              </a:lnSpc>
+              <a:spcBef>
+                <a:spcPts val="500"/>
+              </a:spcBef>
+              <a:buFont typeface="Arial" panose="020B0604020202020204" pitchFamily="34" charset="0"/>
+              <a:buNone/>
+              <a:defRPr sz="1600" b="1" kern="1200">
+                <a:solidFill>
+                  <a:schemeClr val="tx1"/>
+                </a:solidFill>
+                <a:latin typeface="+mn-lt"/>
+                <a:ea typeface="+mn-ea"/>
+                <a:cs typeface="+mn-cs"/>
+              </a:defRPr>
+            </a:lvl4pPr>
+            <a:lvl5pPr marL="1828800" indent="0" algn="l" defTabSz="914400" rtl="0" eaLnBrk="1" latinLnBrk="0" hangingPunct="1">
+              <a:lnSpc>
+                <a:spcPct val="90000"/>
+              </a:lnSpc>
+              <a:spcBef>
+                <a:spcPts val="500"/>
+              </a:spcBef>
+              <a:buFont typeface="Arial" panose="020B0604020202020204" pitchFamily="34" charset="0"/>
+              <a:buNone/>
+              <a:defRPr sz="1600" b="1" kern="1200">
+                <a:solidFill>
+                  <a:schemeClr val="tx1"/>
+                </a:solidFill>
+                <a:latin typeface="+mn-lt"/>
+                <a:ea typeface="+mn-ea"/>
+                <a:cs typeface="+mn-cs"/>
+              </a:defRPr>
+            </a:lvl5pPr>
+            <a:lvl6pPr marL="2286000" indent="0" algn="l" defTabSz="914400" rtl="0" eaLnBrk="1" latinLnBrk="0" hangingPunct="1">
+              <a:lnSpc>
+                <a:spcPct val="90000"/>
+              </a:lnSpc>
+              <a:spcBef>
+                <a:spcPts val="500"/>
+              </a:spcBef>
+              <a:buFont typeface="Arial" panose="020B0604020202020204" pitchFamily="34" charset="0"/>
+              <a:buNone/>
+              <a:defRPr sz="1600" b="1" kern="1200">
+                <a:solidFill>
+                  <a:schemeClr val="tx1"/>
+                </a:solidFill>
+                <a:latin typeface="+mn-lt"/>
+                <a:ea typeface="+mn-ea"/>
+                <a:cs typeface="+mn-cs"/>
+              </a:defRPr>
+            </a:lvl6pPr>
+            <a:lvl7pPr marL="2743200" indent="0" algn="l" defTabSz="914400" rtl="0" eaLnBrk="1" latinLnBrk="0" hangingPunct="1">
+              <a:lnSpc>
+                <a:spcPct val="90000"/>
+              </a:lnSpc>
+              <a:spcBef>
+                <a:spcPts val="500"/>
+              </a:spcBef>
+              <a:buFont typeface="Arial" panose="020B0604020202020204" pitchFamily="34" charset="0"/>
+              <a:buNone/>
+              <a:defRPr sz="1600" b="1" kern="1200">
+                <a:solidFill>
+                  <a:schemeClr val="tx1"/>
+                </a:solidFill>
+                <a:latin typeface="+mn-lt"/>
+                <a:ea typeface="+mn-ea"/>
+                <a:cs typeface="+mn-cs"/>
+              </a:defRPr>
+            </a:lvl7pPr>
+            <a:lvl8pPr marL="3200400" indent="0" algn="l" defTabSz="914400" rtl="0" eaLnBrk="1" latinLnBrk="0" hangingPunct="1">
+              <a:lnSpc>
+                <a:spcPct val="90000"/>
+              </a:lnSpc>
+              <a:spcBef>
+                <a:spcPts val="500"/>
+              </a:spcBef>
+              <a:buFont typeface="Arial" panose="020B0604020202020204" pitchFamily="34" charset="0"/>
+              <a:buNone/>
+              <a:defRPr sz="1600" b="1" kern="1200">
+                <a:solidFill>
+                  <a:schemeClr val="tx1"/>
+                </a:solidFill>
+                <a:latin typeface="+mn-lt"/>
+                <a:ea typeface="+mn-ea"/>
+                <a:cs typeface="+mn-cs"/>
+              </a:defRPr>
+            </a:lvl8pPr>
+            <a:lvl9pPr marL="3657600" indent="0" algn="l" defTabSz="914400" rtl="0" eaLnBrk="1" latinLnBrk="0" hangingPunct="1">
+              <a:lnSpc>
+                <a:spcPct val="90000"/>
+              </a:lnSpc>
+              <a:spcBef>
+                <a:spcPts val="500"/>
+              </a:spcBef>
+              <a:buFont typeface="Arial" panose="020B0604020202020204" pitchFamily="34" charset="0"/>
+              <a:buNone/>
+              <a:defRPr sz="1600" b="1" kern="1200">
+                <a:solidFill>
+                  <a:schemeClr val="tx1"/>
+                </a:solidFill>
+                <a:latin typeface="+mn-lt"/>
+                <a:ea typeface="+mn-ea"/>
+                <a:cs typeface="+mn-cs"/>
+              </a:defRPr>
+            </a:lvl9pPr>
+          </a:lstStyle>
+          <a:p>
+            <a:r>
+              <a:rPr lang="en-US" dirty="0">
+                <a:latin typeface="Times New Roman" panose="02020603050405020304" pitchFamily="18" charset="0"/>
+                <a:cs typeface="Times New Roman" panose="02020603050405020304" pitchFamily="18" charset="0"/>
+              </a:rPr>
+              <a:t>Server-Side</a:t>
+            </a:r>
+            <a:endParaRPr lang="en-IN" dirty="0">
+              <a:latin typeface="Times New Roman" panose="02020603050405020304" pitchFamily="18" charset="0"/>
+              <a:cs typeface="Times New Roman" panose="02020603050405020304" pitchFamily="18" charset="0"/>
+            </a:endParaRPr>
+          </a:p>
+        </p:txBody>
+      </p:sp>
+      <p:sp>
+        <p:nvSpPr>
+          <p:cNvPr id="11" name="Content Placeholder 5">
+            <a:extLst>
+              <a:ext uri="{FF2B5EF4-FFF2-40B4-BE49-F238E27FC236}">
+                <a16:creationId xmlns:a16="http://schemas.microsoft.com/office/drawing/2014/main" id="{D8918B45-F3E3-492F-B824-00A9B15D0A7D}"/>
+              </a:ext>
+            </a:extLst>
+          </p:cNvPr>
+          <p:cNvSpPr txBox="1">
+            <a:spLocks/>
+          </p:cNvSpPr>
+          <p:nvPr/>
+        </p:nvSpPr>
+        <p:spPr>
+          <a:xfrm>
+            <a:off x="4488197" y="4311941"/>
+            <a:ext cx="5218788" cy="2030122"/>
+          </a:xfrm>
+          <a:prstGeom prst="rect">
+            <a:avLst/>
+          </a:prstGeom>
+        </p:spPr>
+        <p:txBody>
+          <a:bodyPr vert="horz" lIns="91440" tIns="45720" rIns="91440" bIns="45720" rtlCol="0">
+            <a:normAutofit/>
+          </a:bodyPr>
+          <a:lstStyle>
+            <a:lvl1pPr marL="228600" indent="-228600" algn="l" defTabSz="914400" rtl="0" eaLnBrk="1" latinLnBrk="0" hangingPunct="1">
+              <a:lnSpc>
+                <a:spcPct val="90000"/>
+              </a:lnSpc>
+              <a:spcBef>
+                <a:spcPts val="1000"/>
+              </a:spcBef>
+              <a:buFont typeface="Arial" panose="020B0604020202020204" pitchFamily="34" charset="0"/>
+              <a:buChar char="•"/>
+              <a:defRPr sz="2800" kern="1200">
+                <a:solidFill>
+                  <a:schemeClr val="tx1"/>
+                </a:solidFill>
+                <a:latin typeface="+mn-lt"/>
+                <a:ea typeface="+mn-ea"/>
+                <a:cs typeface="+mn-cs"/>
+              </a:defRPr>
+            </a:lvl1pPr>
+            <a:lvl2pPr marL="685800" indent="-228600" algn="l" defTabSz="914400" rtl="0" eaLnBrk="1" latinLnBrk="0" hangingPunct="1">
+              <a:lnSpc>
+                <a:spcPct val="90000"/>
+              </a:lnSpc>
+              <a:spcBef>
+                <a:spcPts val="500"/>
+              </a:spcBef>
+              <a:buFont typeface="Arial" panose="020B0604020202020204" pitchFamily="34" charset="0"/>
+              <a:buChar char="•"/>
+              <a:defRPr sz="2400" kern="1200">
+                <a:solidFill>
+                  <a:schemeClr val="tx1"/>
+                </a:solidFill>
+                <a:latin typeface="+mn-lt"/>
+                <a:ea typeface="+mn-ea"/>
+                <a:cs typeface="+mn-cs"/>
+              </a:defRPr>
+            </a:lvl2pPr>
+            <a:lvl3pPr marL="1143000" indent="-228600" algn="l" defTabSz="914400" rtl="0" eaLnBrk="1" latinLnBrk="0" hangingPunct="1">
+              <a:lnSpc>
+                <a:spcPct val="90000"/>
+              </a:lnSpc>
+              <a:spcBef>
+                <a:spcPts val="500"/>
+              </a:spcBef>
+              <a:buFont typeface="Arial" panose="020B0604020202020204" pitchFamily="34" charset="0"/>
+              <a:buChar char="•"/>
+              <a:defRPr sz="2000" kern="1200">
+                <a:solidFill>
+                  <a:schemeClr val="tx1"/>
+                </a:solidFill>
+                <a:latin typeface="+mn-lt"/>
+                <a:ea typeface="+mn-ea"/>
+                <a:cs typeface="+mn-cs"/>
+              </a:defRPr>
+            </a:lvl3pPr>
+            <a:lvl4pPr marL="1600200" indent="-228600" algn="l" defTabSz="914400" rtl="0" eaLnBrk="1" latinLnBrk="0" hangingPunct="1">
+              <a:lnSpc>
+                <a:spcPct val="90000"/>
+              </a:lnSpc>
+              <a:spcBef>
+                <a:spcPts val="500"/>
+              </a:spcBef>
+              <a:buFont typeface="Arial" panose="020B0604020202020204" pitchFamily="34" charset="0"/>
+              <a:buChar char="•"/>
+              <a:defRPr sz="1800" kern="1200">
+                <a:solidFill>
+                  <a:schemeClr val="tx1"/>
+                </a:solidFill>
+                <a:latin typeface="+mn-lt"/>
+                <a:ea typeface="+mn-ea"/>
+                <a:cs typeface="+mn-cs"/>
+              </a:defRPr>
+            </a:lvl4pPr>
+            <a:lvl5pPr marL="2057400" indent="-228600" algn="l" defTabSz="914400" rtl="0" eaLnBrk="1" latinLnBrk="0" hangingPunct="1">
+              <a:lnSpc>
+                <a:spcPct val="90000"/>
+              </a:lnSpc>
+              <a:spcBef>
+                <a:spcPts val="500"/>
+              </a:spcBef>
+              <a:buFont typeface="Arial" panose="020B0604020202020204" pitchFamily="34" charset="0"/>
+              <a:buChar char="•"/>
+              <a:defRPr sz="1800" kern="1200">
+                <a:solidFill>
+                  <a:schemeClr val="tx1"/>
+                </a:solidFill>
+                <a:latin typeface="+mn-lt"/>
+                <a:ea typeface="+mn-ea"/>
+                <a:cs typeface="+mn-cs"/>
+              </a:defRPr>
+            </a:lvl5pPr>
+            <a:lvl6pPr marL="2514600" indent="-228600" algn="l" defTabSz="914400" rtl="0" eaLnBrk="1" latinLnBrk="0" hangingPunct="1">
+              <a:lnSpc>
+                <a:spcPct val="90000"/>
+              </a:lnSpc>
+              <a:spcBef>
+                <a:spcPts val="500"/>
+              </a:spcBef>
+              <a:buFont typeface="Arial" panose="020B0604020202020204" pitchFamily="34" charset="0"/>
+              <a:buChar char="•"/>
+              <a:defRPr sz="1800" kern="1200">
+                <a:solidFill>
+                  <a:schemeClr val="tx1"/>
+                </a:solidFill>
+                <a:latin typeface="+mn-lt"/>
+                <a:ea typeface="+mn-ea"/>
+                <a:cs typeface="+mn-cs"/>
+              </a:defRPr>
+            </a:lvl6pPr>
+            <a:lvl7pPr marL="2971800" indent="-228600" algn="l" defTabSz="914400" rtl="0" eaLnBrk="1" latinLnBrk="0" hangingPunct="1">
+              <a:lnSpc>
+                <a:spcPct val="90000"/>
+              </a:lnSpc>
+              <a:spcBef>
+                <a:spcPts val="500"/>
+              </a:spcBef>
+              <a:buFont typeface="Arial" panose="020B0604020202020204" pitchFamily="34" charset="0"/>
+              <a:buChar char="•"/>
+              <a:defRPr sz="1800" kern="1200">
+                <a:solidFill>
+                  <a:schemeClr val="tx1"/>
+                </a:solidFill>
+                <a:latin typeface="+mn-lt"/>
+                <a:ea typeface="+mn-ea"/>
+                <a:cs typeface="+mn-cs"/>
+              </a:defRPr>
+            </a:lvl7pPr>
+            <a:lvl8pPr marL="3429000" indent="-228600" algn="l" defTabSz="914400" rtl="0" eaLnBrk="1" latinLnBrk="0" hangingPunct="1">
+              <a:lnSpc>
+                <a:spcPct val="90000"/>
+              </a:lnSpc>
+              <a:spcBef>
+                <a:spcPts val="500"/>
+              </a:spcBef>
+              <a:buFont typeface="Arial" panose="020B0604020202020204" pitchFamily="34" charset="0"/>
+              <a:buChar char="•"/>
+              <a:defRPr sz="1800" kern="1200">
+                <a:solidFill>
+                  <a:schemeClr val="tx1"/>
+                </a:solidFill>
+                <a:latin typeface="+mn-lt"/>
+                <a:ea typeface="+mn-ea"/>
+                <a:cs typeface="+mn-cs"/>
+              </a:defRPr>
+            </a:lvl8pPr>
+            <a:lvl9pPr marL="3886200" indent="-228600" algn="l" defTabSz="914400" rtl="0" eaLnBrk="1" latinLnBrk="0" hangingPunct="1">
+              <a:lnSpc>
+                <a:spcPct val="90000"/>
+              </a:lnSpc>
+              <a:spcBef>
+                <a:spcPts val="500"/>
+              </a:spcBef>
+              <a:buFont typeface="Arial" panose="020B0604020202020204" pitchFamily="34" charset="0"/>
+              <a:buChar char="•"/>
+              <a:defRPr sz="1800" kern="1200">
+                <a:solidFill>
+                  <a:schemeClr val="tx1"/>
+                </a:solidFill>
+                <a:latin typeface="+mn-lt"/>
+                <a:ea typeface="+mn-ea"/>
+                <a:cs typeface="+mn-cs"/>
+              </a:defRPr>
+            </a:lvl9pPr>
+          </a:lstStyle>
+          <a:p>
+            <a:endParaRPr lang="en-US" dirty="0">
+              <a:latin typeface="Times New Roman" panose="02020603050405020304" pitchFamily="18" charset="0"/>
+              <a:cs typeface="Times New Roman" panose="02020603050405020304" pitchFamily="18" charset="0"/>
+            </a:endParaRPr>
+          </a:p>
+          <a:p>
+            <a:pPr algn="just"/>
+            <a:r>
+              <a:rPr lang="en-IN" dirty="0">
+                <a:latin typeface="Times New Roman" panose="02020603050405020304" pitchFamily="18" charset="0"/>
+                <a:cs typeface="Times New Roman" panose="02020603050405020304" pitchFamily="18" charset="0"/>
+              </a:rPr>
+              <a:t>JSP</a:t>
+            </a:r>
+          </a:p>
+          <a:p>
+            <a:endParaRPr lang="en-IN" dirty="0">
+              <a:latin typeface="Times New Roman" panose="02020603050405020304" pitchFamily="18" charset="0"/>
+              <a:cs typeface="Times New Roman" panose="02020603050405020304" pitchFamily="18" charset="0"/>
+            </a:endParaRPr>
           </a:p>
         </p:txBody>
       </p:sp>
     </p:spTree>
     <p:extLst>
       <p:ext uri="{BB962C8B-B14F-4D97-AF65-F5344CB8AC3E}">
-        <p14:creationId xmlns:p14="http://schemas.microsoft.com/office/powerpoint/2010/main" val="2600845676"/>
+        <p14:creationId xmlns:p14="http://schemas.microsoft.com/office/powerpoint/2010/main" val="3393430306"/>
       </p:ext>
     </p:extLst>
   </p:cSld>
@@ -3978,69 +4812,49 @@
           <p:cNvPr id="2" name="Title 1">
             <a:extLst>
               <a:ext uri="{FF2B5EF4-FFF2-40B4-BE49-F238E27FC236}">
-                <a16:creationId xmlns:a16="http://schemas.microsoft.com/office/drawing/2014/main" id="{15577B23-21B8-43E8-825C-17697F05617F}"/>
-              </a:ext>
-            </a:extLst>
-          </p:cNvPr>
-          <p:cNvSpPr>
-            <a:spLocks noGrp="1"/>
-          </p:cNvSpPr>
-          <p:nvPr>
-            <p:ph type="ctrTitle"/>
-          </p:nvPr>
-        </p:nvSpPr>
-        <p:spPr/>
+                <a16:creationId xmlns:a16="http://schemas.microsoft.com/office/drawing/2014/main" id="{D5544E44-7C09-49E6-9FE4-F6329C66E8D6}"/>
+              </a:ext>
+            </a:extLst>
+          </p:cNvPr>
+          <p:cNvSpPr>
+            <a:spLocks noGrp="1"/>
+          </p:cNvSpPr>
+          <p:nvPr>
+            <p:ph type="title"/>
+          </p:nvPr>
+        </p:nvSpPr>
+        <p:spPr>
+          <a:xfrm>
+            <a:off x="838200" y="2776858"/>
+            <a:ext cx="10515600" cy="1304284"/>
+          </a:xfrm>
+        </p:spPr>
         <p:txBody>
           <a:bodyPr/>
           <a:lstStyle/>
           <a:p>
             <a:r>
-              <a:rPr lang="en-US" dirty="0"/>
-              <a:t>Register</a:t>
-            </a:r>
-            <a:endParaRPr lang="en-IN" dirty="0"/>
-          </a:p>
-        </p:txBody>
-      </p:sp>
-      <p:sp>
-        <p:nvSpPr>
-          <p:cNvPr id="3" name="Subtitle 2">
-            <a:extLst>
-              <a:ext uri="{FF2B5EF4-FFF2-40B4-BE49-F238E27FC236}">
-                <a16:creationId xmlns:a16="http://schemas.microsoft.com/office/drawing/2014/main" id="{9807853C-3293-4309-9173-0E854829A02E}"/>
-              </a:ext>
-            </a:extLst>
-          </p:cNvPr>
-          <p:cNvSpPr>
-            <a:spLocks noGrp="1"/>
-          </p:cNvSpPr>
-          <p:nvPr>
-            <p:ph type="subTitle" idx="1"/>
-          </p:nvPr>
-        </p:nvSpPr>
-        <p:spPr/>
-        <p:txBody>
-          <a:bodyPr/>
-          <a:lstStyle/>
-          <a:p>
-            <a:r>
-              <a:rPr lang="en-US" dirty="0"/>
-              <a:t>Sign up</a:t>
-            </a:r>
-          </a:p>
-          <a:p>
-            <a:r>
-              <a:rPr lang="en-US" dirty="0"/>
-              <a:t>Already have an Account-&gt;Login</a:t>
-            </a:r>
-            <a:endParaRPr lang="en-IN" dirty="0"/>
+              <a:rPr lang="en-US"/>
+              <a:t>			  </a:t>
+            </a:r>
+            <a:r>
+              <a:rPr lang="en-US">
+                <a:latin typeface="Times New Roman" panose="02020603050405020304" pitchFamily="18" charset="0"/>
+                <a:cs typeface="Times New Roman" panose="02020603050405020304" pitchFamily="18" charset="0"/>
+              </a:rPr>
+              <a:t>Project Flowchart</a:t>
+            </a:r>
+            <a:endParaRPr lang="en-IN" dirty="0">
+              <a:latin typeface="Times New Roman" panose="02020603050405020304" pitchFamily="18" charset="0"/>
+              <a:cs typeface="Times New Roman" panose="02020603050405020304" pitchFamily="18" charset="0"/>
+            </a:endParaRPr>
           </a:p>
         </p:txBody>
       </p:sp>
     </p:spTree>
     <p:extLst>
       <p:ext uri="{BB962C8B-B14F-4D97-AF65-F5344CB8AC3E}">
-        <p14:creationId xmlns:p14="http://schemas.microsoft.com/office/powerpoint/2010/main" val="1395755867"/>
+        <p14:creationId xmlns:p14="http://schemas.microsoft.com/office/powerpoint/2010/main" val="3769143041"/>
       </p:ext>
     </p:extLst>
   </p:cSld>
@@ -4053,6 +4867,14 @@
 <file path=ppt/slides/slide4.xml><?xml version="1.0" encoding="utf-8"?>
 <p:sld xmlns:a="http://schemas.openxmlformats.org/drawingml/2006/main" xmlns:r="http://schemas.openxmlformats.org/officeDocument/2006/relationships" xmlns:p="http://schemas.openxmlformats.org/presentationml/2006/main">
   <p:cSld>
+    <p:bg>
+      <p:bgPr>
+        <a:solidFill>
+          <a:schemeClr val="bg1"/>
+        </a:solidFill>
+        <a:effectLst/>
+      </p:bgPr>
+    </p:bg>
     <p:spTree>
       <p:nvGrpSpPr>
         <p:cNvPr id="1" name=""/>
@@ -4069,70 +4891,88 @@
       </p:grpSpPr>
       <p:sp>
         <p:nvSpPr>
-          <p:cNvPr id="2" name="Title 1">
-            <a:extLst>
-              <a:ext uri="{FF2B5EF4-FFF2-40B4-BE49-F238E27FC236}">
-                <a16:creationId xmlns:a16="http://schemas.microsoft.com/office/drawing/2014/main" id="{21F45145-DB87-472D-99C7-56C2D86C23EB}"/>
-              </a:ext>
-            </a:extLst>
-          </p:cNvPr>
-          <p:cNvSpPr>
-            <a:spLocks noGrp="1"/>
-          </p:cNvSpPr>
-          <p:nvPr>
-            <p:ph type="title"/>
-          </p:nvPr>
-        </p:nvSpPr>
-        <p:spPr/>
-        <p:txBody>
-          <a:bodyPr/>
-          <a:lstStyle/>
-          <a:p>
-            <a:r>
-              <a:rPr lang="en-US" dirty="0"/>
-              <a:t>Login Successful Pop Up</a:t>
-            </a:r>
-            <a:endParaRPr lang="en-IN" dirty="0"/>
-          </a:p>
-        </p:txBody>
-      </p:sp>
-      <p:sp>
-        <p:nvSpPr>
-          <p:cNvPr id="3" name="Content Placeholder 2">
-            <a:extLst>
-              <a:ext uri="{FF2B5EF4-FFF2-40B4-BE49-F238E27FC236}">
-                <a16:creationId xmlns:a16="http://schemas.microsoft.com/office/drawing/2014/main" id="{000CD950-1DCB-4C79-81E1-4CADAD7B2BB3}"/>
-              </a:ext>
-            </a:extLst>
-          </p:cNvPr>
-          <p:cNvSpPr>
-            <a:spLocks noGrp="1"/>
-          </p:cNvSpPr>
+          <p:cNvPr id="6" name="AutoShape 2">
+            <a:extLst>
+              <a:ext uri="{FF2B5EF4-FFF2-40B4-BE49-F238E27FC236}">
+                <a16:creationId xmlns:a16="http://schemas.microsoft.com/office/drawing/2014/main" id="{B898053C-77BD-4B92-9C39-7FB7CF29C17A}"/>
+              </a:ext>
+            </a:extLst>
+          </p:cNvPr>
+          <p:cNvSpPr>
+            <a:spLocks noChangeAspect="1" noChangeArrowheads="1"/>
+          </p:cNvSpPr>
+          <p:nvPr/>
+        </p:nvSpPr>
+        <p:spPr bwMode="auto">
+          <a:xfrm>
+            <a:off x="5949329" y="3281820"/>
+            <a:ext cx="321795" cy="295292"/>
+          </a:xfrm>
+          <a:prstGeom prst="rect">
+            <a:avLst/>
+          </a:prstGeom>
+          <a:noFill/>
+          <a:extLst>
+            <a:ext uri="{909E8E84-426E-40DD-AFC4-6F175D3DCCD1}">
+              <a14:hiddenFill xmlns:a14="http://schemas.microsoft.com/office/drawing/2010/main">
+                <a:solidFill>
+                  <a:srgbClr val="FFFFFF"/>
+                </a:solidFill>
+              </a14:hiddenFill>
+            </a:ext>
+          </a:extLst>
+        </p:spPr>
+        <p:txBody>
+          <a:bodyPr vert="horz" wrap="square" lIns="91440" tIns="45720" rIns="91440" bIns="45720" numCol="1" anchor="t" anchorCtr="0" compatLnSpc="1">
+            <a:prstTxWarp prst="textNoShape">
+              <a:avLst/>
+            </a:prstTxWarp>
+          </a:bodyPr>
+          <a:lstStyle/>
+          <a:p>
+            <a:endParaRPr lang="en-IN"/>
+          </a:p>
+        </p:txBody>
+      </p:sp>
+      <p:pic>
+        <p:nvPicPr>
+          <p:cNvPr id="10" name="Content Placeholder 9" descr="Diagram&#10;&#10;Description automatically generated">
+            <a:extLst>
+              <a:ext uri="{FF2B5EF4-FFF2-40B4-BE49-F238E27FC236}">
+                <a16:creationId xmlns:a16="http://schemas.microsoft.com/office/drawing/2014/main" id="{124F15A3-A5F2-40AD-BE11-39D0EFAE4C9B}"/>
+              </a:ext>
+            </a:extLst>
+          </p:cNvPr>
+          <p:cNvPicPr>
+            <a:picLocks noGrp="1" noChangeAspect="1"/>
+          </p:cNvPicPr>
           <p:nvPr>
             <p:ph idx="1"/>
           </p:nvPr>
-        </p:nvSpPr>
-        <p:spPr/>
-        <p:txBody>
-          <a:bodyPr/>
-          <a:lstStyle/>
-          <a:p>
-            <a:r>
-              <a:rPr lang="en-US" dirty="0"/>
-              <a:t>Redirect to main-</a:t>
-            </a:r>
-            <a:r>
-              <a:rPr lang="en-US" dirty="0" err="1"/>
-              <a:t>menu.jsp</a:t>
-            </a:r>
-            <a:endParaRPr lang="en-IN" dirty="0"/>
-          </a:p>
-        </p:txBody>
-      </p:sp>
+        </p:nvPicPr>
+        <p:blipFill>
+          <a:blip r:embed="rId2">
+            <a:extLst>
+              <a:ext uri="{28A0092B-C50C-407E-A947-70E740481C1C}">
+                <a14:useLocalDpi xmlns:a14="http://schemas.microsoft.com/office/drawing/2010/main" val="0"/>
+              </a:ext>
+            </a:extLst>
+          </a:blip>
+          <a:stretch>
+            <a:fillRect/>
+          </a:stretch>
+        </p:blipFill>
+        <p:spPr>
+          <a:xfrm>
+            <a:off x="2439296" y="100483"/>
+            <a:ext cx="7498524" cy="6682153"/>
+          </a:xfrm>
+        </p:spPr>
+      </p:pic>
     </p:spTree>
     <p:extLst>
       <p:ext uri="{BB962C8B-B14F-4D97-AF65-F5344CB8AC3E}">
-        <p14:creationId xmlns:p14="http://schemas.microsoft.com/office/powerpoint/2010/main" val="3073421648"/>
+        <p14:creationId xmlns:p14="http://schemas.microsoft.com/office/powerpoint/2010/main" val="3521818367"/>
       </p:ext>
     </p:extLst>
   </p:cSld>
@@ -4164,7 +5004,7 @@
           <p:cNvPr id="2" name="Title 1">
             <a:extLst>
               <a:ext uri="{FF2B5EF4-FFF2-40B4-BE49-F238E27FC236}">
-                <a16:creationId xmlns:a16="http://schemas.microsoft.com/office/drawing/2014/main" id="{D231B768-699B-4A29-B631-84F93C62B8BA}"/>
+                <a16:creationId xmlns:a16="http://schemas.microsoft.com/office/drawing/2014/main" id="{D5544E44-7C09-49E6-9FE4-F6329C66E8D6}"/>
               </a:ext>
             </a:extLst>
           </p:cNvPr>
@@ -4175,74 +5015,35 @@
             <p:ph type="title"/>
           </p:nvPr>
         </p:nvSpPr>
-        <p:spPr/>
+        <p:spPr>
+          <a:xfrm>
+            <a:off x="838200" y="2776858"/>
+            <a:ext cx="10515600" cy="1304284"/>
+          </a:xfrm>
+        </p:spPr>
         <p:txBody>
           <a:bodyPr/>
           <a:lstStyle/>
           <a:p>
-            <a:r>
-              <a:rPr lang="en-US" dirty="0"/>
-              <a:t>Main-</a:t>
-            </a:r>
-            <a:r>
-              <a:rPr lang="en-US" dirty="0" err="1"/>
-              <a:t>menu.jsp</a:t>
-            </a:r>
-            <a:endParaRPr lang="en-IN" dirty="0"/>
-          </a:p>
-        </p:txBody>
-      </p:sp>
-      <p:sp>
-        <p:nvSpPr>
-          <p:cNvPr id="3" name="Content Placeholder 2">
-            <a:extLst>
-              <a:ext uri="{FF2B5EF4-FFF2-40B4-BE49-F238E27FC236}">
-                <a16:creationId xmlns:a16="http://schemas.microsoft.com/office/drawing/2014/main" id="{2E8ACD93-AE9A-4E50-8F60-84DDEB8166CD}"/>
-              </a:ext>
-            </a:extLst>
-          </p:cNvPr>
-          <p:cNvSpPr>
-            <a:spLocks noGrp="1"/>
-          </p:cNvSpPr>
-          <p:nvPr>
-            <p:ph idx="1"/>
-          </p:nvPr>
-        </p:nvSpPr>
-        <p:spPr/>
-        <p:txBody>
-          <a:bodyPr/>
-          <a:lstStyle/>
-          <a:p>
-            <a:r>
-              <a:rPr lang="en-US" dirty="0"/>
-              <a:t>Contact us</a:t>
-            </a:r>
-          </a:p>
-          <a:p>
-            <a:r>
-              <a:rPr lang="en-US" dirty="0"/>
-              <a:t>Help</a:t>
-            </a:r>
-          </a:p>
-          <a:p>
-            <a:r>
-              <a:rPr lang="en-US" dirty="0"/>
-              <a:t>Submit new Application</a:t>
-            </a:r>
-          </a:p>
-          <a:p>
-            <a:r>
-              <a:rPr lang="en-US" dirty="0"/>
-              <a:t>View all applications</a:t>
-            </a:r>
-            <a:endParaRPr lang="en-IN" dirty="0"/>
+            <a:pPr algn="ctr"/>
+            <a:r>
+              <a:rPr lang="en-US" sz="4400" dirty="0">
+                <a:latin typeface="Times New Roman" panose="02020603050405020304" pitchFamily="18" charset="0"/>
+                <a:cs typeface="Times New Roman" panose="02020603050405020304" pitchFamily="18" charset="0"/>
+              </a:rPr>
+              <a:t>Functionality &amp; USP</a:t>
+            </a:r>
+            <a:endParaRPr lang="en-IN" dirty="0">
+              <a:latin typeface="Times New Roman" panose="02020603050405020304" pitchFamily="18" charset="0"/>
+              <a:cs typeface="Times New Roman" panose="02020603050405020304" pitchFamily="18" charset="0"/>
+            </a:endParaRPr>
           </a:p>
         </p:txBody>
       </p:sp>
     </p:spTree>
     <p:extLst>
       <p:ext uri="{BB962C8B-B14F-4D97-AF65-F5344CB8AC3E}">
-        <p14:creationId xmlns:p14="http://schemas.microsoft.com/office/powerpoint/2010/main" val="2686613168"/>
+        <p14:creationId xmlns:p14="http://schemas.microsoft.com/office/powerpoint/2010/main" val="3747800481"/>
       </p:ext>
     </p:extLst>
   </p:cSld>
@@ -4271,66 +5072,362 @@
       </p:grpSpPr>
       <p:sp>
         <p:nvSpPr>
-          <p:cNvPr id="2" name="Title 1">
-            <a:extLst>
-              <a:ext uri="{FF2B5EF4-FFF2-40B4-BE49-F238E27FC236}">
-                <a16:creationId xmlns:a16="http://schemas.microsoft.com/office/drawing/2014/main" id="{500E9907-EF58-45A2-8E3B-9244F41F9F91}"/>
-              </a:ext>
-            </a:extLst>
-          </p:cNvPr>
-          <p:cNvSpPr>
-            <a:spLocks noGrp="1"/>
-          </p:cNvSpPr>
-          <p:nvPr>
-            <p:ph type="ctrTitle"/>
-          </p:nvPr>
-        </p:nvSpPr>
-        <p:spPr/>
-        <p:txBody>
-          <a:bodyPr/>
-          <a:lstStyle/>
-          <a:p>
-            <a:r>
-              <a:rPr lang="en-US" dirty="0"/>
+          <p:cNvPr id="4" name="Content Placeholder 3">
+            <a:extLst>
+              <a:ext uri="{FF2B5EF4-FFF2-40B4-BE49-F238E27FC236}">
+                <a16:creationId xmlns:a16="http://schemas.microsoft.com/office/drawing/2014/main" id="{12DDBA82-3626-48A1-B92D-4423FCBE4311}"/>
+              </a:ext>
+            </a:extLst>
+          </p:cNvPr>
+          <p:cNvSpPr>
+            <a:spLocks noGrp="1"/>
+          </p:cNvSpPr>
+          <p:nvPr>
+            <p:ph sz="half" idx="2"/>
+          </p:nvPr>
+        </p:nvSpPr>
+        <p:spPr>
+          <a:xfrm>
+            <a:off x="839788" y="931178"/>
+            <a:ext cx="4722113" cy="5258485"/>
+          </a:xfrm>
+        </p:spPr>
+        <p:txBody>
+          <a:bodyPr>
+            <a:normAutofit/>
+          </a:bodyPr>
+          <a:lstStyle/>
+          <a:p>
+            <a:pPr marL="0" indent="0">
+              <a:buNone/>
+            </a:pPr>
+            <a:endParaRPr lang="en-US" sz="1800" dirty="0">
+              <a:latin typeface="Times New Roman" panose="02020603050405020304" pitchFamily="18" charset="0"/>
+              <a:cs typeface="Times New Roman" panose="02020603050405020304" pitchFamily="18" charset="0"/>
+            </a:endParaRPr>
+          </a:p>
+          <a:p>
+            <a:pPr marL="0" indent="0">
+              <a:buNone/>
+            </a:pPr>
+            <a:endParaRPr lang="en-US" sz="1800" dirty="0">
+              <a:latin typeface="Times New Roman" panose="02020603050405020304" pitchFamily="18" charset="0"/>
+              <a:cs typeface="Times New Roman" panose="02020603050405020304" pitchFamily="18" charset="0"/>
+            </a:endParaRPr>
+          </a:p>
+          <a:p>
+            <a:pPr marL="0" indent="0">
+              <a:buNone/>
+            </a:pPr>
+            <a:endParaRPr lang="en-US" sz="1800" dirty="0">
+              <a:latin typeface="Times New Roman" panose="02020603050405020304" pitchFamily="18" charset="0"/>
+              <a:cs typeface="Times New Roman" panose="02020603050405020304" pitchFamily="18" charset="0"/>
+            </a:endParaRPr>
+          </a:p>
+          <a:p>
+            <a:pPr marL="0" indent="0">
+              <a:buNone/>
+            </a:pPr>
+            <a:endParaRPr lang="en-US" sz="1800" dirty="0">
+              <a:latin typeface="Times New Roman" panose="02020603050405020304" pitchFamily="18" charset="0"/>
+              <a:cs typeface="Times New Roman" panose="02020603050405020304" pitchFamily="18" charset="0"/>
+            </a:endParaRPr>
+          </a:p>
+          <a:p>
+            <a:pPr marL="0" indent="0">
+              <a:buNone/>
+            </a:pPr>
+            <a:r>
+              <a:rPr lang="en-US" sz="2600" dirty="0">
+                <a:latin typeface="Times New Roman" panose="02020603050405020304" pitchFamily="18" charset="0"/>
+                <a:cs typeface="Times New Roman" panose="02020603050405020304" pitchFamily="18" charset="0"/>
+              </a:rPr>
+              <a:t>Front-End:</a:t>
+            </a:r>
+          </a:p>
+          <a:p>
+            <a:r>
+              <a:rPr lang="en-US" sz="1800" dirty="0">
+                <a:latin typeface="Times New Roman" panose="02020603050405020304" pitchFamily="18" charset="0"/>
+                <a:cs typeface="Times New Roman" panose="02020603050405020304" pitchFamily="18" charset="0"/>
+              </a:rPr>
+              <a:t>Fully </a:t>
+            </a:r>
+            <a:r>
+              <a:rPr lang="en-US" sz="1800" i="1" u="sng" dirty="0" err="1">
+                <a:latin typeface="Times New Roman" panose="02020603050405020304" pitchFamily="18" charset="0"/>
+                <a:cs typeface="Times New Roman" panose="02020603050405020304" pitchFamily="18" charset="0"/>
+              </a:rPr>
+              <a:t>Resposive</a:t>
+            </a:r>
+            <a:r>
+              <a:rPr lang="en-US" sz="1800" dirty="0">
+                <a:latin typeface="Times New Roman" panose="02020603050405020304" pitchFamily="18" charset="0"/>
+                <a:cs typeface="Times New Roman" panose="02020603050405020304" pitchFamily="18" charset="0"/>
+              </a:rPr>
+              <a:t> Front-end </a:t>
+            </a:r>
+          </a:p>
+          <a:p>
+            <a:r>
+              <a:rPr lang="en-US" sz="1800" dirty="0">
+                <a:latin typeface="Times New Roman" panose="02020603050405020304" pitchFamily="18" charset="0"/>
+                <a:cs typeface="Times New Roman" panose="02020603050405020304" pitchFamily="18" charset="0"/>
+              </a:rPr>
+              <a:t>Magnificent UI</a:t>
+            </a:r>
+          </a:p>
+          <a:p>
+            <a:r>
+              <a:rPr lang="en-US" sz="1800" dirty="0">
+                <a:latin typeface="Times New Roman" panose="02020603050405020304" pitchFamily="18" charset="0"/>
+                <a:cs typeface="Times New Roman" panose="02020603050405020304" pitchFamily="18" charset="0"/>
+              </a:rPr>
+              <a:t>Added pages for </a:t>
+            </a:r>
+            <a:r>
+              <a:rPr lang="en-US" sz="1800" i="1" u="sng" dirty="0">
+                <a:latin typeface="Times New Roman" panose="02020603050405020304" pitchFamily="18" charset="0"/>
+                <a:cs typeface="Times New Roman" panose="02020603050405020304" pitchFamily="18" charset="0"/>
+              </a:rPr>
+              <a:t>Help</a:t>
+            </a:r>
+            <a:r>
+              <a:rPr lang="en-US" sz="1800" dirty="0">
+                <a:latin typeface="Times New Roman" panose="02020603050405020304" pitchFamily="18" charset="0"/>
+                <a:cs typeface="Times New Roman" panose="02020603050405020304" pitchFamily="18" charset="0"/>
+              </a:rPr>
+              <a:t> and </a:t>
+            </a:r>
+            <a:r>
+              <a:rPr lang="en-US" sz="1800" i="1" u="sng" dirty="0">
+                <a:latin typeface="Times New Roman" panose="02020603050405020304" pitchFamily="18" charset="0"/>
+                <a:cs typeface="Times New Roman" panose="02020603050405020304" pitchFamily="18" charset="0"/>
+              </a:rPr>
               <a:t>Contact Us</a:t>
             </a:r>
-            <a:endParaRPr lang="en-IN" dirty="0"/>
-          </a:p>
-        </p:txBody>
-      </p:sp>
-      <p:sp>
-        <p:nvSpPr>
-          <p:cNvPr id="3" name="Subtitle 2">
-            <a:extLst>
-              <a:ext uri="{FF2B5EF4-FFF2-40B4-BE49-F238E27FC236}">
-                <a16:creationId xmlns:a16="http://schemas.microsoft.com/office/drawing/2014/main" id="{E25EC3CF-94F1-4268-A1A9-E1E4DC46FF3D}"/>
-              </a:ext>
-            </a:extLst>
-          </p:cNvPr>
-          <p:cNvSpPr>
-            <a:spLocks noGrp="1"/>
-          </p:cNvSpPr>
-          <p:nvPr>
-            <p:ph type="subTitle" idx="1"/>
-          </p:nvPr>
-        </p:nvSpPr>
-        <p:spPr/>
-        <p:txBody>
-          <a:bodyPr/>
-          <a:lstStyle/>
-          <a:p>
-            <a:r>
-              <a:rPr lang="en-US" dirty="0"/>
-              <a:t>Home</a:t>
-            </a:r>
-            <a:endParaRPr lang="en-IN" dirty="0"/>
+          </a:p>
+          <a:p>
+            <a:r>
+              <a:rPr lang="en-US" sz="1800" dirty="0">
+                <a:latin typeface="Times New Roman" panose="02020603050405020304" pitchFamily="18" charset="0"/>
+                <a:cs typeface="Times New Roman" panose="02020603050405020304" pitchFamily="18" charset="0"/>
+              </a:rPr>
+              <a:t>Client-Side Validations</a:t>
+            </a:r>
+          </a:p>
+          <a:p>
+            <a:r>
+              <a:rPr lang="en-US" sz="1800" dirty="0" err="1">
+                <a:latin typeface="Times New Roman" panose="02020603050405020304" pitchFamily="18" charset="0"/>
+                <a:cs typeface="Times New Roman" panose="02020603050405020304" pitchFamily="18" charset="0"/>
+              </a:rPr>
+              <a:t>Unsplash</a:t>
+            </a:r>
+            <a:r>
+              <a:rPr lang="en-US" sz="1800" dirty="0">
+                <a:latin typeface="Times New Roman" panose="02020603050405020304" pitchFamily="18" charset="0"/>
+                <a:cs typeface="Times New Roman" panose="02020603050405020304" pitchFamily="18" charset="0"/>
+              </a:rPr>
+              <a:t> API</a:t>
+            </a:r>
+          </a:p>
+          <a:p>
+            <a:endParaRPr lang="en-IN" sz="1800" dirty="0">
+              <a:latin typeface="Times New Roman" panose="02020603050405020304" pitchFamily="18" charset="0"/>
+              <a:cs typeface="Times New Roman" panose="02020603050405020304" pitchFamily="18" charset="0"/>
+            </a:endParaRPr>
+          </a:p>
+        </p:txBody>
+      </p:sp>
+      <p:sp>
+        <p:nvSpPr>
+          <p:cNvPr id="6" name="Content Placeholder 5">
+            <a:extLst>
+              <a:ext uri="{FF2B5EF4-FFF2-40B4-BE49-F238E27FC236}">
+                <a16:creationId xmlns:a16="http://schemas.microsoft.com/office/drawing/2014/main" id="{927C2B38-C153-4601-B1EC-6825CA393B7C}"/>
+              </a:ext>
+            </a:extLst>
+          </p:cNvPr>
+          <p:cNvSpPr>
+            <a:spLocks noGrp="1"/>
+          </p:cNvSpPr>
+          <p:nvPr>
+            <p:ph sz="quarter" idx="4"/>
+          </p:nvPr>
+        </p:nvSpPr>
+        <p:spPr>
+          <a:xfrm>
+            <a:off x="6442744" y="931178"/>
+            <a:ext cx="4912643" cy="5258486"/>
+          </a:xfrm>
+        </p:spPr>
+        <p:txBody>
+          <a:bodyPr>
+            <a:normAutofit/>
+          </a:bodyPr>
+          <a:lstStyle/>
+          <a:p>
+            <a:pPr marL="0" indent="0">
+              <a:buNone/>
+            </a:pPr>
+            <a:r>
+              <a:rPr lang="en-US" sz="2600" dirty="0">
+                <a:latin typeface="Times New Roman" panose="02020603050405020304" pitchFamily="18" charset="0"/>
+                <a:cs typeface="Times New Roman" panose="02020603050405020304" pitchFamily="18" charset="0"/>
+              </a:rPr>
+              <a:t>CRUD Operations:</a:t>
+            </a:r>
+            <a:endParaRPr lang="en-US" sz="1900" i="1" u="sng" dirty="0">
+              <a:latin typeface="Times New Roman" panose="02020603050405020304" pitchFamily="18" charset="0"/>
+              <a:cs typeface="Times New Roman" panose="02020603050405020304" pitchFamily="18" charset="0"/>
+            </a:endParaRPr>
+          </a:p>
+          <a:p>
+            <a:r>
+              <a:rPr lang="en-US" sz="1900" dirty="0">
+                <a:latin typeface="Times New Roman" panose="02020603050405020304" pitchFamily="18" charset="0"/>
+                <a:cs typeface="Times New Roman" panose="02020603050405020304" pitchFamily="18" charset="0"/>
+              </a:rPr>
+              <a:t>Add</a:t>
+            </a:r>
+          </a:p>
+          <a:p>
+            <a:r>
+              <a:rPr lang="en-US" sz="1900" dirty="0">
+                <a:latin typeface="Times New Roman" panose="02020603050405020304" pitchFamily="18" charset="0"/>
+                <a:cs typeface="Times New Roman" panose="02020603050405020304" pitchFamily="18" charset="0"/>
+              </a:rPr>
+              <a:t>Search</a:t>
+            </a:r>
+          </a:p>
+          <a:p>
+            <a:r>
+              <a:rPr lang="en-US" sz="1900" dirty="0">
+                <a:latin typeface="Times New Roman" panose="02020603050405020304" pitchFamily="18" charset="0"/>
+                <a:cs typeface="Times New Roman" panose="02020603050405020304" pitchFamily="18" charset="0"/>
+              </a:rPr>
+              <a:t>Sort</a:t>
+            </a:r>
+          </a:p>
+          <a:p>
+            <a:r>
+              <a:rPr lang="en-US" sz="1900" dirty="0">
+                <a:latin typeface="Times New Roman" panose="02020603050405020304" pitchFamily="18" charset="0"/>
+                <a:cs typeface="Times New Roman" panose="02020603050405020304" pitchFamily="18" charset="0"/>
+              </a:rPr>
+              <a:t>View </a:t>
+            </a:r>
+          </a:p>
+          <a:p>
+            <a:r>
+              <a:rPr lang="en-US" sz="1900" dirty="0">
+                <a:latin typeface="Times New Roman" panose="02020603050405020304" pitchFamily="18" charset="0"/>
+                <a:cs typeface="Times New Roman" panose="02020603050405020304" pitchFamily="18" charset="0"/>
+              </a:rPr>
+              <a:t>Update      </a:t>
+            </a:r>
+          </a:p>
+          <a:p>
+            <a:r>
+              <a:rPr lang="en-US" sz="1900" dirty="0">
+                <a:latin typeface="Times New Roman" panose="02020603050405020304" pitchFamily="18" charset="0"/>
+                <a:cs typeface="Times New Roman" panose="02020603050405020304" pitchFamily="18" charset="0"/>
+              </a:rPr>
+              <a:t>Delete      </a:t>
+            </a:r>
+          </a:p>
+          <a:p>
+            <a:endParaRPr lang="en-US" sz="1900" dirty="0">
+              <a:latin typeface="Times New Roman" panose="02020603050405020304" pitchFamily="18" charset="0"/>
+              <a:cs typeface="Times New Roman" panose="02020603050405020304" pitchFamily="18" charset="0"/>
+            </a:endParaRPr>
+          </a:p>
+          <a:p>
+            <a:pPr marL="0" indent="0">
+              <a:buNone/>
+            </a:pPr>
+            <a:r>
+              <a:rPr lang="en-US" sz="2800" dirty="0">
+                <a:latin typeface="Times New Roman" panose="02020603050405020304" pitchFamily="18" charset="0"/>
+                <a:cs typeface="Times New Roman" panose="02020603050405020304" pitchFamily="18" charset="0"/>
+              </a:rPr>
+              <a:t>Security: </a:t>
+            </a:r>
+          </a:p>
+          <a:p>
+            <a:r>
+              <a:rPr lang="en-US" sz="2000" dirty="0">
+                <a:latin typeface="Times New Roman" panose="02020603050405020304" pitchFamily="18" charset="0"/>
+                <a:cs typeface="Times New Roman" panose="02020603050405020304" pitchFamily="18" charset="0"/>
+              </a:rPr>
+              <a:t>DB verified </a:t>
+            </a:r>
+            <a:r>
+              <a:rPr lang="en-US" sz="2000" i="1" u="sng" dirty="0">
+                <a:latin typeface="Times New Roman" panose="02020603050405020304" pitchFamily="18" charset="0"/>
+                <a:cs typeface="Times New Roman" panose="02020603050405020304" pitchFamily="18" charset="0"/>
+              </a:rPr>
+              <a:t>Login &amp; Registration</a:t>
+            </a:r>
+          </a:p>
+          <a:p>
+            <a:r>
+              <a:rPr lang="en-US" sz="2000" dirty="0">
+                <a:latin typeface="Times New Roman" panose="02020603050405020304" pitchFamily="18" charset="0"/>
+                <a:cs typeface="Times New Roman" panose="02020603050405020304" pitchFamily="18" charset="0"/>
+              </a:rPr>
+              <a:t>Independent Entities</a:t>
+            </a:r>
+          </a:p>
+          <a:p>
+            <a:pPr marL="0" indent="0">
+              <a:buNone/>
+            </a:pPr>
+            <a:r>
+              <a:rPr lang="en-US" sz="1600" dirty="0">
+                <a:latin typeface="Times New Roman" panose="02020603050405020304" pitchFamily="18" charset="0"/>
+                <a:cs typeface="Times New Roman" panose="02020603050405020304" pitchFamily="18" charset="0"/>
+              </a:rPr>
+              <a:t>    User-Entity &amp; Loan Applicant Entity</a:t>
+            </a:r>
+          </a:p>
+          <a:p>
+            <a:endParaRPr lang="en-US" sz="1900" dirty="0">
+              <a:latin typeface="Times New Roman" panose="02020603050405020304" pitchFamily="18" charset="0"/>
+              <a:cs typeface="Times New Roman" panose="02020603050405020304" pitchFamily="18" charset="0"/>
+            </a:endParaRPr>
+          </a:p>
+          <a:p>
+            <a:pPr marL="0" indent="0">
+              <a:buNone/>
+            </a:pPr>
+            <a:endParaRPr lang="en-US" sz="1900" dirty="0">
+              <a:latin typeface="Times New Roman" panose="02020603050405020304" pitchFamily="18" charset="0"/>
+              <a:cs typeface="Times New Roman" panose="02020603050405020304" pitchFamily="18" charset="0"/>
+            </a:endParaRPr>
+          </a:p>
+          <a:p>
+            <a:endParaRPr lang="en-IN" dirty="0">
+              <a:latin typeface="Times New Roman" panose="02020603050405020304" pitchFamily="18" charset="0"/>
+              <a:cs typeface="Times New Roman" panose="02020603050405020304" pitchFamily="18" charset="0"/>
+            </a:endParaRPr>
+          </a:p>
+          <a:p>
+            <a:pPr marL="0" indent="0">
+              <a:buNone/>
+            </a:pPr>
+            <a:endParaRPr lang="en-IN" dirty="0">
+              <a:latin typeface="Times New Roman" panose="02020603050405020304" pitchFamily="18" charset="0"/>
+              <a:cs typeface="Times New Roman" panose="02020603050405020304" pitchFamily="18" charset="0"/>
+            </a:endParaRPr>
           </a:p>
         </p:txBody>
       </p:sp>
     </p:spTree>
     <p:extLst>
       <p:ext uri="{BB962C8B-B14F-4D97-AF65-F5344CB8AC3E}">
-        <p14:creationId xmlns:p14="http://schemas.microsoft.com/office/powerpoint/2010/main" val="2366553970"/>
+        <p14:creationId xmlns:p14="http://schemas.microsoft.com/office/powerpoint/2010/main" val="2039456211"/>
       </p:ext>
     </p:extLst>
   </p:cSld>
@@ -4362,69 +5459,46 @@
           <p:cNvPr id="2" name="Title 1">
             <a:extLst>
               <a:ext uri="{FF2B5EF4-FFF2-40B4-BE49-F238E27FC236}">
-                <a16:creationId xmlns:a16="http://schemas.microsoft.com/office/drawing/2014/main" id="{254E28C6-1195-4B53-95FB-594B77770A28}"/>
-              </a:ext>
-            </a:extLst>
-          </p:cNvPr>
-          <p:cNvSpPr>
-            <a:spLocks noGrp="1"/>
-          </p:cNvSpPr>
-          <p:nvPr>
-            <p:ph type="ctrTitle"/>
-          </p:nvPr>
-        </p:nvSpPr>
-        <p:spPr/>
+                <a16:creationId xmlns:a16="http://schemas.microsoft.com/office/drawing/2014/main" id="{D5544E44-7C09-49E6-9FE4-F6329C66E8D6}"/>
+              </a:ext>
+            </a:extLst>
+          </p:cNvPr>
+          <p:cNvSpPr>
+            <a:spLocks noGrp="1"/>
+          </p:cNvSpPr>
+          <p:nvPr>
+            <p:ph type="title"/>
+          </p:nvPr>
+        </p:nvSpPr>
+        <p:spPr>
+          <a:xfrm>
+            <a:off x="838200" y="2776858"/>
+            <a:ext cx="10515600" cy="1304284"/>
+          </a:xfrm>
+        </p:spPr>
         <p:txBody>
           <a:bodyPr/>
           <a:lstStyle/>
           <a:p>
-            <a:r>
-              <a:rPr lang="en-US" dirty="0"/>
-              <a:t>Help</a:t>
-            </a:r>
-            <a:endParaRPr lang="en-IN" dirty="0"/>
-          </a:p>
-        </p:txBody>
-      </p:sp>
-      <p:sp>
-        <p:nvSpPr>
-          <p:cNvPr id="3" name="Subtitle 2">
-            <a:extLst>
-              <a:ext uri="{FF2B5EF4-FFF2-40B4-BE49-F238E27FC236}">
-                <a16:creationId xmlns:a16="http://schemas.microsoft.com/office/drawing/2014/main" id="{C9CF9BFA-8752-43AC-BEC2-CA1072EA5B0B}"/>
-              </a:ext>
-            </a:extLst>
-          </p:cNvPr>
-          <p:cNvSpPr>
-            <a:spLocks noGrp="1"/>
-          </p:cNvSpPr>
-          <p:nvPr>
-            <p:ph type="subTitle" idx="1"/>
-          </p:nvPr>
-        </p:nvSpPr>
-        <p:spPr/>
-        <p:txBody>
-          <a:bodyPr/>
-          <a:lstStyle/>
-          <a:p>
-            <a:r>
-              <a:rPr lang="en-US" dirty="0"/>
-              <a:t>Home</a:t>
-            </a:r>
-          </a:p>
-          <a:p>
-            <a:r>
-              <a:rPr lang="en-US" dirty="0"/>
-              <a:t>Contact US</a:t>
-            </a:r>
-            <a:endParaRPr lang="en-IN" dirty="0"/>
+            <a:pPr algn="ctr"/>
+            <a:r>
+              <a:rPr lang="en-US" dirty="0">
+                <a:latin typeface="Times New Roman" panose="02020603050405020304" pitchFamily="18" charset="0"/>
+                <a:cs typeface="Times New Roman" panose="02020603050405020304" pitchFamily="18" charset="0"/>
+              </a:rPr>
+              <a:t>Problems we overcame!</a:t>
+            </a:r>
+            <a:endParaRPr lang="en-IN" dirty="0">
+              <a:latin typeface="Times New Roman" panose="02020603050405020304" pitchFamily="18" charset="0"/>
+              <a:cs typeface="Times New Roman" panose="02020603050405020304" pitchFamily="18" charset="0"/>
+            </a:endParaRPr>
           </a:p>
         </p:txBody>
       </p:sp>
     </p:spTree>
     <p:extLst>
       <p:ext uri="{BB962C8B-B14F-4D97-AF65-F5344CB8AC3E}">
-        <p14:creationId xmlns:p14="http://schemas.microsoft.com/office/powerpoint/2010/main" val="658887851"/>
+        <p14:creationId xmlns:p14="http://schemas.microsoft.com/office/powerpoint/2010/main" val="1672128877"/>
       </p:ext>
     </p:extLst>
   </p:cSld>
@@ -4453,78 +5527,160 @@
       </p:grpSpPr>
       <p:sp>
         <p:nvSpPr>
-          <p:cNvPr id="2" name="Title 1">
-            <a:extLst>
-              <a:ext uri="{FF2B5EF4-FFF2-40B4-BE49-F238E27FC236}">
-                <a16:creationId xmlns:a16="http://schemas.microsoft.com/office/drawing/2014/main" id="{3898A1DD-B680-48DC-BD5C-D68E899B6F98}"/>
-              </a:ext>
-            </a:extLst>
-          </p:cNvPr>
-          <p:cNvSpPr>
-            <a:spLocks noGrp="1"/>
-          </p:cNvSpPr>
-          <p:nvPr>
-            <p:ph type="ctrTitle"/>
-          </p:nvPr>
-        </p:nvSpPr>
-        <p:spPr/>
-        <p:txBody>
-          <a:bodyPr/>
-          <a:lstStyle/>
-          <a:p>
-            <a:r>
-              <a:rPr lang="en-US" dirty="0"/>
-              <a:t>Submit New Application</a:t>
-            </a:r>
-            <a:endParaRPr lang="en-IN" dirty="0"/>
-          </a:p>
-        </p:txBody>
-      </p:sp>
-      <p:sp>
-        <p:nvSpPr>
-          <p:cNvPr id="3" name="Subtitle 2">
-            <a:extLst>
-              <a:ext uri="{FF2B5EF4-FFF2-40B4-BE49-F238E27FC236}">
-                <a16:creationId xmlns:a16="http://schemas.microsoft.com/office/drawing/2014/main" id="{35BC2EDF-970C-41EF-B5C6-AAC7D1BA881C}"/>
-              </a:ext>
-            </a:extLst>
-          </p:cNvPr>
-          <p:cNvSpPr>
-            <a:spLocks noGrp="1"/>
-          </p:cNvSpPr>
-          <p:nvPr>
-            <p:ph type="subTitle" idx="1"/>
-          </p:nvPr>
-        </p:nvSpPr>
-        <p:spPr/>
-        <p:txBody>
-          <a:bodyPr/>
-          <a:lstStyle/>
-          <a:p>
-            <a:r>
-              <a:rPr lang="en-US" dirty="0"/>
-              <a:t>Home</a:t>
-            </a:r>
-          </a:p>
-          <a:p>
-            <a:r>
-              <a:rPr lang="en-US" dirty="0"/>
-              <a:t>Submit </a:t>
-            </a:r>
-          </a:p>
-          <a:p>
-            <a:r>
-              <a:rPr lang="en-US" dirty="0"/>
-              <a:t>Refresh</a:t>
-            </a:r>
-            <a:endParaRPr lang="en-IN" dirty="0"/>
+          <p:cNvPr id="3" name="Content Placeholder 2">
+            <a:extLst>
+              <a:ext uri="{FF2B5EF4-FFF2-40B4-BE49-F238E27FC236}">
+                <a16:creationId xmlns:a16="http://schemas.microsoft.com/office/drawing/2014/main" id="{92A57424-4227-41C8-B8F8-F39125C00384}"/>
+              </a:ext>
+            </a:extLst>
+          </p:cNvPr>
+          <p:cNvSpPr>
+            <a:spLocks noGrp="1"/>
+          </p:cNvSpPr>
+          <p:nvPr>
+            <p:ph idx="1"/>
+          </p:nvPr>
+        </p:nvSpPr>
+        <p:spPr>
+          <a:xfrm>
+            <a:off x="838200" y="2383277"/>
+            <a:ext cx="10515600" cy="3793686"/>
+          </a:xfrm>
+        </p:spPr>
+        <p:txBody>
+          <a:bodyPr>
+            <a:normAutofit fontScale="92500" lnSpcReduction="20000"/>
+          </a:bodyPr>
+          <a:lstStyle/>
+          <a:p>
+            <a:r>
+              <a:rPr lang="en-US" sz="2400" dirty="0">
+                <a:latin typeface="Times New Roman" panose="02020603050405020304" pitchFamily="18" charset="0"/>
+                <a:cs typeface="Times New Roman" panose="02020603050405020304" pitchFamily="18" charset="0"/>
+              </a:rPr>
+              <a:t>Resolving Merge conflicts</a:t>
+            </a:r>
+          </a:p>
+          <a:p>
+            <a:endParaRPr lang="en-US" sz="2400" dirty="0">
+              <a:latin typeface="Times New Roman" panose="02020603050405020304" pitchFamily="18" charset="0"/>
+              <a:cs typeface="Times New Roman" panose="02020603050405020304" pitchFamily="18" charset="0"/>
+            </a:endParaRPr>
+          </a:p>
+          <a:p>
+            <a:r>
+              <a:rPr lang="en-IN" sz="2400" dirty="0">
+                <a:latin typeface="Times New Roman" panose="02020603050405020304" pitchFamily="18" charset="0"/>
+                <a:cs typeface="Times New Roman" panose="02020603050405020304" pitchFamily="18" charset="0"/>
+              </a:rPr>
+              <a:t>Update form: a new </a:t>
+            </a:r>
+            <a:r>
+              <a:rPr lang="en-US" sz="2400" dirty="0">
+                <a:latin typeface="Times New Roman" panose="02020603050405020304" pitchFamily="18" charset="0"/>
+                <a:cs typeface="Times New Roman" panose="02020603050405020304" pitchFamily="18" charset="0"/>
+              </a:rPr>
+              <a:t>database entry was getting created.</a:t>
+            </a:r>
+          </a:p>
+          <a:p>
+            <a:endParaRPr lang="en-US" sz="2400" dirty="0">
+              <a:latin typeface="Times New Roman" panose="02020603050405020304" pitchFamily="18" charset="0"/>
+              <a:cs typeface="Times New Roman" panose="02020603050405020304" pitchFamily="18" charset="0"/>
+            </a:endParaRPr>
+          </a:p>
+          <a:p>
+            <a:r>
+              <a:rPr lang="en-US" sz="2400" dirty="0">
+                <a:latin typeface="Times New Roman" panose="02020603050405020304" pitchFamily="18" charset="0"/>
+                <a:cs typeface="Times New Roman" panose="02020603050405020304" pitchFamily="18" charset="0"/>
+              </a:rPr>
+              <a:t>Validations: Earlier @Annotations were used by which Age &amp; Experience were not getting validated, later we switched to JavaScript.</a:t>
+            </a:r>
+          </a:p>
+          <a:p>
+            <a:endParaRPr lang="en-US" sz="2400" dirty="0">
+              <a:latin typeface="Times New Roman" panose="02020603050405020304" pitchFamily="18" charset="0"/>
+              <a:cs typeface="Times New Roman" panose="02020603050405020304" pitchFamily="18" charset="0"/>
+            </a:endParaRPr>
+          </a:p>
+          <a:p>
+            <a:r>
+              <a:rPr lang="en-US" sz="2400" dirty="0">
+                <a:latin typeface="Times New Roman" panose="02020603050405020304" pitchFamily="18" charset="0"/>
+                <a:cs typeface="Times New Roman" panose="02020603050405020304" pitchFamily="18" charset="0"/>
+              </a:rPr>
+              <a:t>In Login Form : verifying user credentials according to the register form entries.</a:t>
+            </a:r>
+          </a:p>
+          <a:p>
+            <a:endParaRPr lang="en-US" sz="2400" dirty="0">
+              <a:latin typeface="Times New Roman" panose="02020603050405020304" pitchFamily="18" charset="0"/>
+              <a:cs typeface="Times New Roman" panose="02020603050405020304" pitchFamily="18" charset="0"/>
+            </a:endParaRPr>
+          </a:p>
+          <a:p>
+            <a:r>
+              <a:rPr lang="en-US" sz="2400" b="0" i="0" dirty="0">
+                <a:effectLst/>
+                <a:latin typeface="Times New Roman" panose="02020603050405020304" pitchFamily="18" charset="0"/>
+                <a:cs typeface="Times New Roman" panose="02020603050405020304" pitchFamily="18" charset="0"/>
+              </a:rPr>
+              <a:t>Pop Up Issue on login/registration failure: The controller </a:t>
+            </a:r>
+            <a:r>
+              <a:rPr lang="en-US" sz="2400" dirty="0">
+                <a:latin typeface="Times New Roman" panose="02020603050405020304" pitchFamily="18" charset="0"/>
+                <a:cs typeface="Times New Roman" panose="02020603050405020304" pitchFamily="18" charset="0"/>
+              </a:rPr>
+              <a:t>was </a:t>
+            </a:r>
+            <a:r>
+              <a:rPr lang="en-US" sz="2400" b="0" i="0" dirty="0">
+                <a:effectLst/>
+                <a:latin typeface="Times New Roman" panose="02020603050405020304" pitchFamily="18" charset="0"/>
+                <a:cs typeface="Times New Roman" panose="02020603050405020304" pitchFamily="18" charset="0"/>
+              </a:rPr>
+              <a:t>server-side code. It </a:t>
+            </a:r>
+            <a:r>
+              <a:rPr lang="en-US" sz="2400" dirty="0">
+                <a:latin typeface="Times New Roman" panose="02020603050405020304" pitchFamily="18" charset="0"/>
+                <a:cs typeface="Times New Roman" panose="02020603050405020304" pitchFamily="18" charset="0"/>
+              </a:rPr>
+              <a:t>was</a:t>
+            </a:r>
+            <a:r>
+              <a:rPr lang="en-US" sz="2400" b="0" i="0" dirty="0">
+                <a:effectLst/>
+                <a:latin typeface="Times New Roman" panose="02020603050405020304" pitchFamily="18" charset="0"/>
+                <a:cs typeface="Times New Roman" panose="02020603050405020304" pitchFamily="18" charset="0"/>
+              </a:rPr>
+              <a:t> not possible to show a dialog box on our client from server-side code.</a:t>
+            </a:r>
+            <a:endParaRPr lang="en-US" sz="2400" dirty="0">
+              <a:latin typeface="Times New Roman" panose="02020603050405020304" pitchFamily="18" charset="0"/>
+              <a:cs typeface="Times New Roman" panose="02020603050405020304" pitchFamily="18" charset="0"/>
+            </a:endParaRPr>
+          </a:p>
+          <a:p>
+            <a:endParaRPr lang="en-US" sz="2400" dirty="0">
+              <a:latin typeface="Times New Roman" panose="02020603050405020304" pitchFamily="18" charset="0"/>
+              <a:cs typeface="Times New Roman" panose="02020603050405020304" pitchFamily="18" charset="0"/>
+            </a:endParaRPr>
+          </a:p>
+          <a:p>
+            <a:endParaRPr lang="en-US" sz="2400" dirty="0">
+              <a:latin typeface="Times New Roman" panose="02020603050405020304" pitchFamily="18" charset="0"/>
+              <a:cs typeface="Times New Roman" panose="02020603050405020304" pitchFamily="18" charset="0"/>
+            </a:endParaRPr>
           </a:p>
         </p:txBody>
       </p:sp>
     </p:spTree>
     <p:extLst>
       <p:ext uri="{BB962C8B-B14F-4D97-AF65-F5344CB8AC3E}">
-        <p14:creationId xmlns:p14="http://schemas.microsoft.com/office/powerpoint/2010/main" val="637396298"/>
+        <p14:creationId xmlns:p14="http://schemas.microsoft.com/office/powerpoint/2010/main" val="547412716"/>
       </p:ext>
     </p:extLst>
   </p:cSld>
@@ -4556,7 +5712,7 @@
           <p:cNvPr id="2" name="Title 1">
             <a:extLst>
               <a:ext uri="{FF2B5EF4-FFF2-40B4-BE49-F238E27FC236}">
-                <a16:creationId xmlns:a16="http://schemas.microsoft.com/office/drawing/2014/main" id="{B497DDAB-D339-4E4E-9198-4AE0E416A1B6}"/>
+                <a16:creationId xmlns:a16="http://schemas.microsoft.com/office/drawing/2014/main" id="{CC2E9356-2FB4-483D-B2C9-29BC6D96953D}"/>
               </a:ext>
             </a:extLst>
           </p:cNvPr>
@@ -4572,53 +5728,204 @@
           <a:bodyPr/>
           <a:lstStyle/>
           <a:p>
-            <a:r>
-              <a:rPr lang="en-US" dirty="0"/>
-              <a:t>Submission Successful </a:t>
-            </a:r>
-            <a:endParaRPr lang="en-IN" dirty="0"/>
-          </a:p>
-        </p:txBody>
-      </p:sp>
-      <p:sp>
-        <p:nvSpPr>
-          <p:cNvPr id="3" name="Content Placeholder 2">
-            <a:extLst>
-              <a:ext uri="{FF2B5EF4-FFF2-40B4-BE49-F238E27FC236}">
-                <a16:creationId xmlns:a16="http://schemas.microsoft.com/office/drawing/2014/main" id="{13330092-93AE-4F32-AF46-DE4829DC1F15}"/>
-              </a:ext>
-            </a:extLst>
-          </p:cNvPr>
-          <p:cNvSpPr>
-            <a:spLocks noGrp="1"/>
-          </p:cNvSpPr>
-          <p:nvPr>
-            <p:ph idx="1"/>
-          </p:nvPr>
-        </p:nvSpPr>
-        <p:spPr/>
-        <p:txBody>
-          <a:bodyPr/>
-          <a:lstStyle/>
-          <a:p>
-            <a:r>
-              <a:rPr lang="en-US" dirty="0"/>
-              <a:t>Home </a:t>
-            </a:r>
-          </a:p>
-          <a:p>
-            <a:r>
-              <a:rPr lang="en-US" dirty="0"/>
-              <a:t>View all Applications </a:t>
-            </a:r>
-            <a:endParaRPr lang="en-IN" dirty="0"/>
+            <a:pPr algn="ctr"/>
+            <a:r>
+              <a:rPr lang="en-US" dirty="0">
+                <a:latin typeface="Times New Roman" panose="02020603050405020304" pitchFamily="18" charset="0"/>
+                <a:cs typeface="Times New Roman" panose="02020603050405020304" pitchFamily="18" charset="0"/>
+              </a:rPr>
+              <a:t>Future Scope</a:t>
+            </a:r>
+            <a:endParaRPr lang="en-IN" dirty="0">
+              <a:latin typeface="Times New Roman" panose="02020603050405020304" pitchFamily="18" charset="0"/>
+              <a:cs typeface="Times New Roman" panose="02020603050405020304" pitchFamily="18" charset="0"/>
+            </a:endParaRPr>
+          </a:p>
+        </p:txBody>
+      </p:sp>
+      <p:sp>
+        <p:nvSpPr>
+          <p:cNvPr id="3" name="Title 1">
+            <a:extLst>
+              <a:ext uri="{FF2B5EF4-FFF2-40B4-BE49-F238E27FC236}">
+                <a16:creationId xmlns:a16="http://schemas.microsoft.com/office/drawing/2014/main" id="{65E7A41F-7C18-4DA3-8570-B930081D66F2}"/>
+              </a:ext>
+            </a:extLst>
+          </p:cNvPr>
+          <p:cNvSpPr txBox="1">
+            <a:spLocks/>
+          </p:cNvSpPr>
+          <p:nvPr/>
+        </p:nvSpPr>
+        <p:spPr>
+          <a:xfrm>
+            <a:off x="898321" y="1767485"/>
+            <a:ext cx="10515600" cy="4348089"/>
+          </a:xfrm>
+          <a:prstGeom prst="rect">
+            <a:avLst/>
+          </a:prstGeom>
+        </p:spPr>
+        <p:txBody>
+          <a:bodyPr vert="horz" lIns="91440" tIns="45720" rIns="91440" bIns="45720" rtlCol="0" anchor="ctr">
+            <a:normAutofit/>
+          </a:bodyPr>
+          <a:lstStyle>
+            <a:lvl1pPr algn="l" defTabSz="914400" rtl="0" eaLnBrk="1" latinLnBrk="0" hangingPunct="1">
+              <a:lnSpc>
+                <a:spcPct val="90000"/>
+              </a:lnSpc>
+              <a:spcBef>
+                <a:spcPct val="0"/>
+              </a:spcBef>
+              <a:buNone/>
+              <a:defRPr sz="4400" kern="1200">
+                <a:solidFill>
+                  <a:schemeClr val="tx1"/>
+                </a:solidFill>
+                <a:latin typeface="+mj-lt"/>
+                <a:ea typeface="+mj-ea"/>
+                <a:cs typeface="+mj-cs"/>
+              </a:defRPr>
+            </a:lvl1pPr>
+          </a:lstStyle>
+          <a:p>
+            <a:pPr marL="571500" indent="-571500">
+              <a:buFont typeface="Arial" panose="020B0604020202020204" pitchFamily="34" charset="0"/>
+              <a:buChar char="•"/>
+            </a:pPr>
+            <a:endParaRPr lang="en-US" sz="2800" dirty="0">
+              <a:latin typeface="Times New Roman" panose="02020603050405020304" pitchFamily="18" charset="0"/>
+              <a:cs typeface="Times New Roman" panose="02020603050405020304" pitchFamily="18" charset="0"/>
+            </a:endParaRPr>
+          </a:p>
+          <a:p>
+            <a:pPr marL="571500" indent="-571500">
+              <a:buFont typeface="Arial" panose="020B0604020202020204" pitchFamily="34" charset="0"/>
+              <a:buChar char="•"/>
+            </a:pPr>
+            <a:endParaRPr lang="en-US" sz="2800">
+              <a:latin typeface="Times New Roman" panose="02020603050405020304" pitchFamily="18" charset="0"/>
+              <a:cs typeface="Times New Roman" panose="02020603050405020304" pitchFamily="18" charset="0"/>
+            </a:endParaRPr>
+          </a:p>
+          <a:p>
+            <a:pPr marL="571500" indent="-571500">
+              <a:buFont typeface="Arial" panose="020B0604020202020204" pitchFamily="34" charset="0"/>
+              <a:buChar char="•"/>
+            </a:pPr>
+            <a:r>
+              <a:rPr lang="en-US" sz="2800">
+                <a:latin typeface="Times New Roman" panose="02020603050405020304" pitchFamily="18" charset="0"/>
+                <a:cs typeface="Times New Roman" panose="02020603050405020304" pitchFamily="18" charset="0"/>
+              </a:rPr>
+              <a:t>Download </a:t>
+            </a:r>
+            <a:r>
+              <a:rPr lang="en-US" sz="2800" dirty="0">
+                <a:latin typeface="Times New Roman" panose="02020603050405020304" pitchFamily="18" charset="0"/>
+                <a:cs typeface="Times New Roman" panose="02020603050405020304" pitchFamily="18" charset="0"/>
+              </a:rPr>
+              <a:t>form</a:t>
+            </a:r>
+          </a:p>
+          <a:p>
+            <a:pPr marL="571500" indent="-571500">
+              <a:buFont typeface="Arial" panose="020B0604020202020204" pitchFamily="34" charset="0"/>
+              <a:buChar char="•"/>
+            </a:pPr>
+            <a:endParaRPr lang="en-US" sz="2800" dirty="0">
+              <a:latin typeface="Times New Roman" panose="02020603050405020304" pitchFamily="18" charset="0"/>
+              <a:cs typeface="Times New Roman" panose="02020603050405020304" pitchFamily="18" charset="0"/>
+            </a:endParaRPr>
+          </a:p>
+          <a:p>
+            <a:pPr marL="571500" indent="-571500">
+              <a:buFont typeface="Arial" panose="020B0604020202020204" pitchFamily="34" charset="0"/>
+              <a:buChar char="•"/>
+            </a:pPr>
+            <a:r>
+              <a:rPr lang="en-US" sz="2800" dirty="0">
+                <a:latin typeface="Times New Roman" panose="02020603050405020304" pitchFamily="18" charset="0"/>
+                <a:cs typeface="Times New Roman" panose="02020603050405020304" pitchFamily="18" charset="0"/>
+              </a:rPr>
+              <a:t>Reset Password</a:t>
+            </a:r>
+          </a:p>
+          <a:p>
+            <a:pPr marL="571500" indent="-571500">
+              <a:buFont typeface="Arial" panose="020B0604020202020204" pitchFamily="34" charset="0"/>
+              <a:buChar char="•"/>
+            </a:pPr>
+            <a:endParaRPr lang="en-US" sz="2800" dirty="0">
+              <a:latin typeface="Times New Roman" panose="02020603050405020304" pitchFamily="18" charset="0"/>
+              <a:cs typeface="Times New Roman" panose="02020603050405020304" pitchFamily="18" charset="0"/>
+            </a:endParaRPr>
+          </a:p>
+          <a:p>
+            <a:pPr marL="571500" indent="-571500">
+              <a:buFont typeface="Arial" panose="020B0604020202020204" pitchFamily="34" charset="0"/>
+              <a:buChar char="•"/>
+            </a:pPr>
+            <a:r>
+              <a:rPr lang="en-US" sz="2800" dirty="0">
+                <a:latin typeface="Times New Roman" panose="02020603050405020304" pitchFamily="18" charset="0"/>
+                <a:cs typeface="Times New Roman" panose="02020603050405020304" pitchFamily="18" charset="0"/>
+              </a:rPr>
+              <a:t>Direct Customer Support via chat box connected to developer email</a:t>
+            </a:r>
+          </a:p>
+          <a:p>
+            <a:pPr marL="571500" indent="-571500">
+              <a:buFont typeface="Arial" panose="020B0604020202020204" pitchFamily="34" charset="0"/>
+              <a:buChar char="•"/>
+            </a:pPr>
+            <a:endParaRPr lang="en-US" sz="2800" dirty="0">
+              <a:latin typeface="Times New Roman" panose="02020603050405020304" pitchFamily="18" charset="0"/>
+              <a:cs typeface="Times New Roman" panose="02020603050405020304" pitchFamily="18" charset="0"/>
+            </a:endParaRPr>
+          </a:p>
+          <a:p>
+            <a:pPr marL="571500" indent="-571500">
+              <a:buFont typeface="Arial" panose="020B0604020202020204" pitchFamily="34" charset="0"/>
+              <a:buChar char="•"/>
+            </a:pPr>
+            <a:r>
+              <a:rPr lang="en-US" sz="2800" dirty="0">
+                <a:latin typeface="Times New Roman" panose="02020603050405020304" pitchFamily="18" charset="0"/>
+                <a:cs typeface="Times New Roman" panose="02020603050405020304" pitchFamily="18" charset="0"/>
+              </a:rPr>
+              <a:t>Loan interest calculator – via loan payback time</a:t>
+            </a:r>
+          </a:p>
+          <a:p>
+            <a:endParaRPr lang="en-US" sz="2800" dirty="0">
+              <a:latin typeface="Times New Roman" panose="02020603050405020304" pitchFamily="18" charset="0"/>
+              <a:cs typeface="Times New Roman" panose="02020603050405020304" pitchFamily="18" charset="0"/>
+            </a:endParaRPr>
+          </a:p>
+          <a:p>
+            <a:pPr marL="800100" lvl="1" indent="-342900">
+              <a:buFont typeface="Arial" panose="020B0604020202020204" pitchFamily="34" charset="0"/>
+              <a:buChar char="•"/>
+            </a:pPr>
+            <a:endParaRPr lang="en-US" sz="200" dirty="0">
+              <a:latin typeface="Times New Roman" panose="02020603050405020304" pitchFamily="18" charset="0"/>
+              <a:cs typeface="Times New Roman" panose="02020603050405020304" pitchFamily="18" charset="0"/>
+            </a:endParaRPr>
+          </a:p>
+          <a:p>
+            <a:endParaRPr lang="en-IN" dirty="0">
+              <a:latin typeface="Times New Roman" panose="02020603050405020304" pitchFamily="18" charset="0"/>
+              <a:cs typeface="Times New Roman" panose="02020603050405020304" pitchFamily="18" charset="0"/>
+            </a:endParaRPr>
           </a:p>
         </p:txBody>
       </p:sp>
     </p:spTree>
     <p:extLst>
       <p:ext uri="{BB962C8B-B14F-4D97-AF65-F5344CB8AC3E}">
-        <p14:creationId xmlns:p14="http://schemas.microsoft.com/office/powerpoint/2010/main" val="1315668620"/>
+        <p14:creationId xmlns:p14="http://schemas.microsoft.com/office/powerpoint/2010/main" val="2161158575"/>
       </p:ext>
     </p:extLst>
   </p:cSld>
